--- a/sunum.pptx
+++ b/sunum.pptx
@@ -120,6 +120,7 @@
 <file path=ppt/revisionInfo.xml><?xml version="1.0" encoding="utf-8"?>
 <p1510:revInfo xmlns:a="http://schemas.openxmlformats.org/drawingml/2006/main" xmlns:r="http://schemas.openxmlformats.org/officeDocument/2006/relationships" xmlns:p1510="http://schemas.microsoft.com/office/powerpoint/2015/10/main">
   <p1510:revLst>
+    <p1510:client id="{5D204170-01C9-466B-BD0B-0D3675EF56B3}" v="1201" dt="2023-04-24T19:00:03.739"/>
     <p1510:client id="{9B2E4C3F-FED5-4CD5-A220-3C7A67AD4949}" v="6049" dt="2023-04-24T17:54:26.898"/>
   </p1510:revLst>
 </p1510:revInfo>
@@ -4182,12 +4183,15 @@
           <a:lstStyle/>
           <a:p>
             <a:r>
-              <a:rPr lang="tr-TR" sz="4000">
+              <a:rPr lang="tr-TR" sz="4000" dirty="0">
+                <a:latin typeface="Consolas"/>
                 <a:cs typeface="Calibri Light"/>
               </a:rPr>
               <a:t>Ödenmeyecek, Ödemiyoruz!</a:t>
             </a:r>
-            <a:endParaRPr lang="tr-TR" sz="4000"/>
+            <a:endParaRPr lang="tr-TR" sz="4000" dirty="0">
+              <a:latin typeface="Consolas"/>
+            </a:endParaRPr>
           </a:p>
         </p:txBody>
       </p:sp>
@@ -4220,6 +4224,7 @@
             </a:pPr>
             <a:r>
               <a:rPr lang="tr-TR" sz="2400" dirty="0">
+                <a:latin typeface="Consolas"/>
                 <a:cs typeface="Calibri"/>
               </a:rPr>
               <a:t>Her gün zam, her şeye zam! Yeter artık!</a:t>
@@ -4233,14 +4238,11 @@
             </a:pPr>
             <a:r>
               <a:rPr lang="tr-TR" sz="2400" dirty="0">
+                <a:latin typeface="Consolas"/>
                 <a:cs typeface="Calibri"/>
               </a:rPr>
               <a:t>(Merak etmeyin konu İtalya'da geçiyor)</a:t>
             </a:r>
-            <a:endParaRPr lang="tr-TR" sz="2400" dirty="0">
-              <a:latin typeface="Consolas"/>
-              <a:cs typeface="Calibri"/>
-            </a:endParaRPr>
           </a:p>
         </p:txBody>
       </p:sp>
@@ -5114,34 +5116,38 @@
           <a:p>
             <a:pPr algn="ctr"/>
             <a:r>
-              <a:rPr lang="en-US" sz="2800" cap="all" spc="390" dirty="0" err="1"/>
-              <a:t>Tiyatro</a:t>
-            </a:r>
-            <a:r>
-              <a:rPr lang="en-US" sz="2800" cap="all" spc="390" dirty="0"/>
-              <a:t> </a:t>
-            </a:r>
-            <a:r>
-              <a:rPr lang="en-US" sz="2800" cap="all" spc="390" dirty="0" err="1"/>
-              <a:t>ile</a:t>
-            </a:r>
-            <a:r>
-              <a:rPr lang="en-US" sz="2800" cap="all" spc="390" dirty="0"/>
-              <a:t> </a:t>
-            </a:r>
-            <a:r>
-              <a:rPr lang="en-US" sz="2800" cap="all" spc="390" dirty="0" err="1"/>
-              <a:t>ilgili</a:t>
-            </a:r>
-            <a:r>
-              <a:rPr lang="en-US" sz="2800" cap="all" spc="390" dirty="0"/>
-              <a:t> </a:t>
-            </a:r>
-            <a:r>
-              <a:rPr lang="en-US" sz="2800" cap="all" spc="390" dirty="0" err="1"/>
-              <a:t>beklentılerım</a:t>
-            </a:r>
-            <a:endParaRPr lang="tr-TR" dirty="0" err="1"/>
+              <a:rPr lang="en-US" sz="2800" cap="all" spc="390" dirty="0" err="1">
+                <a:latin typeface="Consolas"/>
+              </a:rPr>
+              <a:t>Tİyatro</a:t>
+            </a:r>
+            <a:r>
+              <a:rPr lang="en-US" sz="2800" cap="all" spc="390" dirty="0">
+                <a:latin typeface="Consolas"/>
+              </a:rPr>
+              <a:t> İle </a:t>
+            </a:r>
+            <a:r>
+              <a:rPr lang="en-US" sz="2800" cap="all" spc="390" dirty="0" err="1">
+                <a:latin typeface="Consolas"/>
+              </a:rPr>
+              <a:t>İlgİlİ</a:t>
+            </a:r>
+            <a:r>
+              <a:rPr lang="en-US" sz="2800" cap="all" spc="390" dirty="0">
+                <a:latin typeface="Consolas"/>
+              </a:rPr>
+              <a:t> </a:t>
+            </a:r>
+            <a:r>
+              <a:rPr lang="en-US" sz="2800" cap="all" spc="390" dirty="0" err="1">
+                <a:latin typeface="Consolas"/>
+              </a:rPr>
+              <a:t>beklentİlerım</a:t>
+            </a:r>
+            <a:endParaRPr lang="tr-TR" dirty="0" err="1">
+              <a:latin typeface="Consolas"/>
+            </a:endParaRPr>
           </a:p>
         </p:txBody>
       </p:sp>
@@ -5364,7 +5370,7 @@
         <p:spPr>
           <a:xfrm>
             <a:off x="489185" y="1778000"/>
-            <a:ext cx="11138370" cy="4594078"/>
+            <a:ext cx="11138370" cy="4483279"/>
           </a:xfrm>
           <a:prstGeom prst="rect">
             <a:avLst/>
@@ -5389,11 +5395,11 @@
               </a:spcBef>
             </a:pPr>
             <a:r>
-              <a:rPr lang="tr-TR" sz="2400" dirty="0">
+              <a:rPr lang="tr-TR" sz="2000" dirty="0">
                 <a:solidFill>
                   <a:srgbClr val="2C2830"/>
                 </a:solidFill>
-                <a:latin typeface="Bembo"/>
+                <a:latin typeface="Consolas"/>
                 <a:cs typeface="Segoe UI"/>
               </a:rPr>
               <a:t>Siyasal veya tarihsel konular içeren dramatik oyunlardan aldığım keyif ayrıdır. Bu sebeple aslında bu oyun yerine "1984 - Büyük Gözaltı" oyununa gidecektim fakat oyunun meşgul olduğum bir güne denk gelmesi sebebiyle oyunu izlemem mümkün olmadı. Beni düşünmeye sevk edecek, içime işleyecek dramatik bir oyun arayışındaydım ama sonra bir anda ilgimi bir anda cezbeden bir başlık ile karşılaştım: "Ödenmeyecek, ödemiyoruz!"</a:t>
@@ -5408,11 +5414,11 @@
                 <a:spcPts val="1000"/>
               </a:spcBef>
             </a:pPr>
-            <a:endParaRPr lang="tr-TR" sz="2400" dirty="0">
+            <a:endParaRPr lang="tr-TR" sz="2000" dirty="0">
               <a:solidFill>
                 <a:srgbClr val="2C2830"/>
               </a:solidFill>
-              <a:latin typeface="Bembo"/>
+              <a:latin typeface="Consolas"/>
               <a:cs typeface="Segoe UI"/>
             </a:endParaRPr>
           </a:p>
@@ -5425,11 +5431,11 @@
                 <a:spcPts val="1000"/>
               </a:spcBef>
             </a:pPr>
-            <a:endParaRPr lang="tr-TR" sz="2400" dirty="0">
+            <a:endParaRPr lang="tr-TR" sz="2000" dirty="0">
               <a:solidFill>
                 <a:srgbClr val="2C2830"/>
               </a:solidFill>
-              <a:latin typeface="Bembo"/>
+              <a:latin typeface="Consolas"/>
               <a:cs typeface="Segoe UI"/>
             </a:endParaRPr>
           </a:p>
@@ -5442,11 +5448,11 @@
                 <a:spcPts val="1000"/>
               </a:spcBef>
             </a:pPr>
-            <a:endParaRPr lang="tr-TR" sz="2400" dirty="0">
+            <a:endParaRPr lang="tr-TR" sz="2000" dirty="0">
               <a:solidFill>
                 <a:srgbClr val="2C2830"/>
               </a:solidFill>
-              <a:latin typeface="Bembo"/>
+              <a:latin typeface="Consolas"/>
               <a:cs typeface="Segoe UI"/>
             </a:endParaRPr>
           </a:p>
@@ -5460,31 +5466,31 @@
               </a:spcBef>
             </a:pPr>
             <a:r>
-              <a:rPr lang="tr-TR" sz="2400" dirty="0">
+              <a:rPr lang="tr-TR" sz="2000" dirty="0">
                 <a:solidFill>
                   <a:srgbClr val="2C2830"/>
                 </a:solidFill>
-                <a:latin typeface="Bembo"/>
+                <a:latin typeface="Consolas"/>
                 <a:cs typeface="Segoe UI"/>
               </a:rPr>
               <a:t>Altında yazan açıklamayı okuduktan sonra ise "İşte bu ulan, işte bu!" dedim içimden. Bu oyundan beklediğim şeyler: beni düşünmeye sevk edecek ideolojik düşünceler ve hayat şartlarından </a:t>
             </a:r>
             <a:r>
-              <a:rPr lang="tr-TR" sz="2400" dirty="0" err="1">
+              <a:rPr lang="tr-TR" sz="2000" dirty="0" err="1">
                 <a:solidFill>
                   <a:srgbClr val="2C2830"/>
                 </a:solidFill>
-                <a:latin typeface="Bembo"/>
+                <a:latin typeface="Consolas"/>
                 <a:cs typeface="Segoe UI"/>
               </a:rPr>
               <a:t>muzdarip</a:t>
             </a:r>
             <a:r>
-              <a:rPr lang="tr-TR" sz="2400" dirty="0">
+              <a:rPr lang="tr-TR" sz="2000" dirty="0">
                 <a:solidFill>
                   <a:srgbClr val="2C2830"/>
                 </a:solidFill>
-                <a:latin typeface="Bembo"/>
+                <a:latin typeface="Consolas"/>
                 <a:cs typeface="Segoe UI"/>
               </a:rPr>
               <a:t> bir vatandaşın içerisinde bulunduğu durumun psikolojisini iyi bir şekilde anlatabilmesiydi. Elbette, biraz da eğlenmek istiyordum.</a:t>
@@ -5740,17 +5746,19 @@
           <a:p>
             <a:pPr algn="ctr"/>
             <a:r>
-              <a:rPr lang="en-US" spc="390">
+              <a:rPr lang="en-US" spc="390" dirty="0">
                 <a:solidFill>
                   <a:schemeClr val="tx1"/>
                 </a:solidFill>
+                <a:latin typeface="Consolas"/>
               </a:rPr>
               <a:t>SANATÇILAR</a:t>
             </a:r>
-            <a:endParaRPr lang="en-US">
+            <a:endParaRPr lang="en-US" dirty="0">
               <a:solidFill>
                 <a:schemeClr val="tx1"/>
               </a:solidFill>
+              <a:latin typeface="Consolas"/>
             </a:endParaRPr>
           </a:p>
         </p:txBody>
@@ -5801,7 +5809,9 @@
               </a:spcBef>
             </a:pPr>
             <a:r>
-              <a:rPr lang="en-US" sz="2400" dirty="0"/>
+              <a:rPr lang="en-US" sz="2400" dirty="0">
+                <a:latin typeface="Consolas"/>
+              </a:rPr>
               <a:t>Zeynep KANKONDE</a:t>
             </a:r>
             <a:r>
@@ -5809,6 +5819,7 @@
                 <a:solidFill>
                   <a:srgbClr val="FFFFFF"/>
                 </a:solidFill>
+                <a:latin typeface="Consolas"/>
               </a:rPr>
               <a:t> </a:t>
             </a:r>
@@ -5817,6 +5828,7 @@
                 <a:solidFill>
                   <a:srgbClr val="FF0000"/>
                 </a:solidFill>
+                <a:latin typeface="Consolas"/>
               </a:rPr>
               <a:t>(</a:t>
             </a:r>
@@ -5825,6 +5837,7 @@
                 <a:solidFill>
                   <a:srgbClr val="FF0000"/>
                 </a:solidFill>
+                <a:latin typeface="Consolas"/>
               </a:rPr>
               <a:t>Omuz</a:t>
             </a:r>
@@ -5833,22 +5846,25 @@
                 <a:solidFill>
                   <a:srgbClr val="FF0000"/>
                 </a:solidFill>
-              </a:rPr>
-              <a:t> 120 cm Kol 35 cm Kalf 35 cm </a:t>
+                <a:latin typeface="Consolas"/>
+              </a:rPr>
+              <a:t> 120 cm, Kol 35 cm, Kalf 35 cm, </a:t>
             </a:r>
             <a:r>
               <a:rPr lang="en-US" sz="2400" b="1" u="sng" dirty="0" err="1">
                 <a:solidFill>
                   <a:srgbClr val="FF0000"/>
                 </a:solidFill>
-              </a:rPr>
-              <a:t>Su</a:t>
+                <a:latin typeface="Consolas"/>
+              </a:rPr>
+              <a:t>su</a:t>
             </a:r>
             <a:r>
               <a:rPr lang="en-US" sz="2400" b="1" u="sng" dirty="0">
                 <a:solidFill>
                   <a:srgbClr val="FF0000"/>
                 </a:solidFill>
+                <a:latin typeface="Consolas"/>
               </a:rPr>
               <a:t> </a:t>
             </a:r>
@@ -5857,6 +5873,7 @@
                 <a:solidFill>
                   <a:srgbClr val="FF0000"/>
                 </a:solidFill>
+                <a:latin typeface="Consolas"/>
               </a:rPr>
               <a:t>aygırı</a:t>
             </a:r>
@@ -5865,6 +5882,7 @@
                 <a:solidFill>
                   <a:srgbClr val="FF0000"/>
                 </a:solidFill>
+                <a:latin typeface="Consolas"/>
               </a:rPr>
               <a:t> </a:t>
             </a:r>
@@ -5873,6 +5891,7 @@
                 <a:solidFill>
                   <a:srgbClr val="FF0000"/>
                 </a:solidFill>
+                <a:latin typeface="Consolas"/>
               </a:rPr>
               <a:t>genetiği</a:t>
             </a:r>
@@ -5881,14 +5900,16 @@
                 <a:solidFill>
                   <a:srgbClr val="FF0000"/>
                 </a:solidFill>
-              </a:rPr>
-              <a:t> </a:t>
+                <a:latin typeface="Consolas"/>
+              </a:rPr>
+              <a:t>, </a:t>
             </a:r>
             <a:r>
               <a:rPr lang="en-US" sz="2400" b="1" u="sng" dirty="0" err="1">
                 <a:solidFill>
                   <a:srgbClr val="FF0000"/>
                 </a:solidFill>
+                <a:latin typeface="Consolas"/>
               </a:rPr>
               <a:t>süper</a:t>
             </a:r>
@@ -5897,6 +5918,7 @@
                 <a:solidFill>
                   <a:srgbClr val="FF0000"/>
                 </a:solidFill>
+                <a:latin typeface="Consolas"/>
               </a:rPr>
               <a:t> </a:t>
             </a:r>
@@ -5905,6 +5927,7 @@
                 <a:solidFill>
                   <a:srgbClr val="FF0000"/>
                 </a:solidFill>
+                <a:latin typeface="Consolas"/>
               </a:rPr>
               <a:t>oyunculuk</a:t>
             </a:r>
@@ -5913,14 +5936,19 @@
                 <a:solidFill>
                   <a:srgbClr val="FF0000"/>
                 </a:solidFill>
-              </a:rPr>
-              <a:t> GÜÇLÜ KADIN+++)</a:t>
+                <a:latin typeface="Consolas"/>
+              </a:rPr>
+              <a:t>, GÜÇLÜ KADIN+++)</a:t>
             </a:r>
             <a:br>
-              <a:rPr lang="en-US" sz="2400" dirty="0"/>
+              <a:rPr lang="en-US" sz="2400" dirty="0">
+                <a:latin typeface="Consolas"/>
+              </a:rPr>
             </a:br>
             <a:r>
-              <a:rPr lang="en-US" sz="2400" dirty="0"/>
+              <a:rPr lang="en-US" sz="2400" dirty="0">
+                <a:latin typeface="Consolas"/>
+              </a:rPr>
               <a:t>Aşkın ŞENOL</a:t>
             </a:r>
             <a:r>
@@ -5928,6 +5956,7 @@
                 <a:solidFill>
                   <a:srgbClr val="FFFFFF"/>
                 </a:solidFill>
+                <a:latin typeface="Consolas"/>
               </a:rPr>
               <a:t> </a:t>
             </a:r>
@@ -5936,6 +5965,7 @@
                 <a:solidFill>
                   <a:srgbClr val="FF0000"/>
                 </a:solidFill>
+                <a:latin typeface="Consolas"/>
               </a:rPr>
               <a:t>(</a:t>
             </a:r>
@@ -5944,14 +5974,16 @@
                 <a:solidFill>
                   <a:srgbClr val="FF0000"/>
                 </a:solidFill>
-              </a:rPr>
-              <a:t>demokrat</a:t>
+                <a:latin typeface="Consolas"/>
+              </a:rPr>
+              <a:t>Demokrat</a:t>
             </a:r>
             <a:r>
               <a:rPr lang="en-US" sz="2400" b="1" u="sng" dirty="0">
                 <a:solidFill>
                   <a:srgbClr val="FF0000"/>
                 </a:solidFill>
+                <a:latin typeface="Consolas"/>
               </a:rPr>
               <a:t> </a:t>
             </a:r>
@@ -5960,6 +5992,7 @@
                 <a:solidFill>
                   <a:srgbClr val="FF0000"/>
                 </a:solidFill>
+                <a:latin typeface="Consolas"/>
               </a:rPr>
               <a:t>görünümlü</a:t>
             </a:r>
@@ -5968,6 +6001,7 @@
                 <a:solidFill>
                   <a:srgbClr val="FF0000"/>
                 </a:solidFill>
+                <a:latin typeface="Consolas"/>
               </a:rPr>
               <a:t> </a:t>
             </a:r>
@@ -5976,6 +6010,7 @@
                 <a:solidFill>
                   <a:srgbClr val="FF0000"/>
                 </a:solidFill>
+                <a:latin typeface="Consolas"/>
               </a:rPr>
               <a:t>ezik</a:t>
             </a:r>
@@ -5984,14 +6019,19 @@
                 <a:solidFill>
                   <a:srgbClr val="FF0000"/>
                 </a:solidFill>
-              </a:rPr>
-              <a:t>)</a:t>
+                <a:latin typeface="Consolas"/>
+              </a:rPr>
+              <a:t>.)</a:t>
             </a:r>
             <a:br>
-              <a:rPr lang="en-US" sz="2400" dirty="0"/>
+              <a:rPr lang="en-US" sz="2400" dirty="0">
+                <a:latin typeface="Consolas"/>
+              </a:rPr>
             </a:br>
             <a:r>
-              <a:rPr lang="en-US" sz="2400" dirty="0"/>
+              <a:rPr lang="en-US" sz="2400" dirty="0">
+                <a:latin typeface="Consolas"/>
+              </a:rPr>
               <a:t>Fatih SEVDİ </a:t>
             </a:r>
             <a:r>
@@ -5999,6 +6039,7 @@
                 <a:solidFill>
                   <a:srgbClr val="FF0000"/>
                 </a:solidFill>
+                <a:latin typeface="Consolas"/>
               </a:rPr>
               <a:t>(</a:t>
             </a:r>
@@ -6007,22 +6048,28 @@
                 <a:solidFill>
                   <a:srgbClr val="FF0000"/>
                 </a:solidFill>
-              </a:rPr>
-              <a:t>ılımlı</a:t>
+                <a:latin typeface="Consolas"/>
+              </a:rPr>
+              <a:t>Ilımlı</a:t>
             </a:r>
             <a:r>
               <a:rPr lang="en-US" sz="2400" b="1" u="sng" dirty="0">
                 <a:solidFill>
                   <a:srgbClr val="FF0000"/>
                 </a:solidFill>
-              </a:rPr>
-              <a:t> polis)</a:t>
+                <a:latin typeface="Consolas"/>
+              </a:rPr>
+              <a:t> polis.)</a:t>
             </a:r>
             <a:br>
-              <a:rPr lang="en-US" sz="2400" dirty="0"/>
+              <a:rPr lang="en-US" sz="2400" dirty="0">
+                <a:latin typeface="Consolas"/>
+              </a:rPr>
             </a:br>
             <a:r>
-              <a:rPr lang="en-US" sz="2400" dirty="0"/>
+              <a:rPr lang="en-US" sz="2400" dirty="0">
+                <a:latin typeface="Consolas"/>
+              </a:rPr>
               <a:t>Volkan GİRGİN - </a:t>
             </a:r>
             <a:r>
@@ -6030,22 +6077,25 @@
                 <a:solidFill>
                   <a:srgbClr val="FF0000"/>
                 </a:solidFill>
-              </a:rPr>
-              <a:t>(</a:t>
+                <a:latin typeface="Consolas"/>
+              </a:rPr>
+              <a:t>(Kendi </a:t>
             </a:r>
             <a:r>
               <a:rPr lang="en-US" sz="2400" b="1" u="sng" dirty="0" err="1">
                 <a:solidFill>
                   <a:srgbClr val="FF0000"/>
                 </a:solidFill>
-              </a:rPr>
-              <a:t>kendi</a:t>
+                <a:latin typeface="Consolas"/>
+              </a:rPr>
+              <a:t>içerisinde</a:t>
             </a:r>
             <a:r>
               <a:rPr lang="en-US" sz="2400" b="1" u="sng" dirty="0">
                 <a:solidFill>
                   <a:srgbClr val="FF0000"/>
                 </a:solidFill>
+                <a:latin typeface="Consolas"/>
               </a:rPr>
               <a:t> </a:t>
             </a:r>
@@ -6054,14 +6104,16 @@
                 <a:solidFill>
                   <a:srgbClr val="FF0000"/>
                 </a:solidFill>
-              </a:rPr>
-              <a:t>içerisinde</a:t>
+                <a:latin typeface="Consolas"/>
+              </a:rPr>
+              <a:t>tutarlı</a:t>
             </a:r>
             <a:r>
               <a:rPr lang="en-US" sz="2400" b="1" u="sng" dirty="0">
                 <a:solidFill>
                   <a:srgbClr val="FF0000"/>
                 </a:solidFill>
+                <a:latin typeface="Consolas"/>
               </a:rPr>
               <a:t> </a:t>
             </a:r>
@@ -6070,14 +6122,16 @@
                 <a:solidFill>
                   <a:srgbClr val="FF0000"/>
                 </a:solidFill>
-              </a:rPr>
-              <a:t>tutarlı</a:t>
+                <a:latin typeface="Consolas"/>
+              </a:rPr>
+              <a:t>fikirlere</a:t>
             </a:r>
             <a:r>
               <a:rPr lang="en-US" sz="2400" b="1" u="sng" dirty="0">
                 <a:solidFill>
                   <a:srgbClr val="FF0000"/>
                 </a:solidFill>
+                <a:latin typeface="Consolas"/>
               </a:rPr>
               <a:t> </a:t>
             </a:r>
@@ -6086,77 +6140,84 @@
                 <a:solidFill>
                   <a:srgbClr val="FF0000"/>
                 </a:solidFill>
-              </a:rPr>
-              <a:t>fikirlere</a:t>
+                <a:latin typeface="Consolas"/>
+              </a:rPr>
+              <a:t>sahip</a:t>
             </a:r>
             <a:r>
               <a:rPr lang="en-US" sz="2400" b="1" u="sng" dirty="0">
                 <a:solidFill>
                   <a:srgbClr val="FF0000"/>
                 </a:solidFill>
-              </a:rPr>
-              <a:t> </a:t>
+                <a:latin typeface="Consolas"/>
+              </a:rPr>
+              <a:t>.)</a:t>
+            </a:r>
+            <a:br>
+              <a:rPr lang="en-US" sz="2400" dirty="0">
+                <a:latin typeface="Consolas"/>
+              </a:rPr>
+            </a:br>
+            <a:r>
+              <a:rPr lang="en-US" sz="2400" dirty="0" err="1">
+                <a:latin typeface="Consolas"/>
+              </a:rPr>
+              <a:t>Su</a:t>
+            </a:r>
+            <a:r>
+              <a:rPr lang="en-US" sz="2400" dirty="0">
+                <a:latin typeface="Consolas"/>
+              </a:rPr>
+              <a:t> ŞANAD - </a:t>
+            </a:r>
+            <a:r>
+              <a:rPr lang="en-US" sz="2400" dirty="0">
+                <a:solidFill>
+                  <a:srgbClr val="FFFFFF"/>
+                </a:solidFill>
+                <a:latin typeface="Consolas"/>
+              </a:rPr>
+              <a:t>(</a:t>
             </a:r>
             <a:r>
               <a:rPr lang="en-US" sz="2400" b="1" u="sng" dirty="0" err="1">
                 <a:solidFill>
                   <a:srgbClr val="FF0000"/>
                 </a:solidFill>
-              </a:rPr>
-              <a:t>sahip</a:t>
+                <a:latin typeface="Consolas"/>
+              </a:rPr>
+              <a:t>Mızmız</a:t>
             </a:r>
             <a:r>
               <a:rPr lang="en-US" sz="2400" b="1" u="sng" dirty="0">
                 <a:solidFill>
                   <a:srgbClr val="FF0000"/>
                 </a:solidFill>
-              </a:rPr>
-              <a:t>)</a:t>
-            </a:r>
-            <a:br>
-              <a:rPr lang="en-US" sz="2400" dirty="0"/>
-            </a:br>
-            <a:r>
-              <a:rPr lang="en-US" sz="2400" dirty="0" err="1"/>
-              <a:t>Su</a:t>
-            </a:r>
-            <a:r>
-              <a:rPr lang="en-US" sz="2400" dirty="0"/>
-              <a:t> ŞANAD - </a:t>
+                <a:latin typeface="Consolas"/>
+              </a:rPr>
+              <a:t> </a:t>
             </a:r>
             <a:r>
               <a:rPr lang="en-US" sz="2400" b="1" u="sng" dirty="0" err="1">
                 <a:solidFill>
                   <a:srgbClr val="FF0000"/>
                 </a:solidFill>
-              </a:rPr>
-              <a:t>mızmız</a:t>
+                <a:latin typeface="Consolas"/>
+              </a:rPr>
+              <a:t>kız</a:t>
             </a:r>
             <a:r>
               <a:rPr lang="en-US" sz="2400" b="1" u="sng" dirty="0">
                 <a:solidFill>
                   <a:srgbClr val="FF0000"/>
                 </a:solidFill>
-              </a:rPr>
-              <a:t> </a:t>
-            </a:r>
-            <a:r>
-              <a:rPr lang="en-US" sz="2400" b="1" u="sng" dirty="0" err="1">
-                <a:solidFill>
-                  <a:srgbClr val="FF0000"/>
-                </a:solidFill>
-              </a:rPr>
-              <a:t>kız</a:t>
-            </a:r>
-            <a:r>
-              <a:rPr lang="en-US" sz="2400" b="1" u="sng" dirty="0">
-                <a:solidFill>
-                  <a:srgbClr val="FF0000"/>
-                </a:solidFill>
-              </a:rPr>
-              <a:t>.</a:t>
-            </a:r>
-            <a:endParaRPr lang="en-US"/>
+                <a:latin typeface="Consolas"/>
+              </a:rPr>
+              <a:t>.)</a:t>
+            </a:r>
+            <a:endParaRPr lang="en-US" dirty="0">
+              <a:latin typeface="Consolas"/>
+            </a:endParaRPr>
           </a:p>
         </p:txBody>
       </p:sp>
@@ -6930,11 +6991,15 @@
           <a:p>
             <a:pPr algn="ctr"/>
             <a:r>
-              <a:rPr lang="en-US" sz="2800" cap="all" spc="390" dirty="0" err="1"/>
-              <a:t>Tiyatro</a:t>
-            </a:r>
-            <a:r>
-              <a:rPr lang="en-US" sz="2800" cap="all" spc="390" dirty="0"/>
+              <a:rPr lang="en-US" sz="2800" cap="all" spc="390" dirty="0" err="1">
+                <a:latin typeface="Consolas"/>
+              </a:rPr>
+              <a:t>Tİyatro</a:t>
+            </a:r>
+            <a:r>
+              <a:rPr lang="en-US" sz="2800" cap="all" spc="390" dirty="0">
+                <a:latin typeface="Consolas"/>
+              </a:rPr>
               <a:t> ADABI</a:t>
             </a:r>
           </a:p>
@@ -7208,7 +7273,7 @@
         <p:spPr>
           <a:xfrm>
             <a:off x="489185" y="1778000"/>
-            <a:ext cx="11138370" cy="4465838"/>
+            <a:ext cx="11138370" cy="4078039"/>
           </a:xfrm>
           <a:prstGeom prst="rect">
             <a:avLst/>
@@ -7233,41 +7298,48 @@
               </a:spcBef>
             </a:pPr>
             <a:r>
-              <a:rPr lang="tr-TR" sz="2400" dirty="0">
+              <a:rPr lang="tr-TR" sz="2000" dirty="0">
+                <a:latin typeface="Consolas"/>
                 <a:ea typeface="+mn-lt"/>
                 <a:cs typeface="+mn-lt"/>
               </a:rPr>
               <a:t>Büyük Ata, "Bir milletin bilgi ve anlayış seviyesi, sanat eserlerine ve sanatçılarına gösterdiği ilgiyle ölçülür." demiş. Onuru olan ve tiyatro salonuna ayak basmış bir kimse ise, bulunduğu ortama uyum sağlamalıdır. Saygıyı hak etmeyen onlarca otorite sahibinin karşısında hesap verirsin ama senin zevk alman için, senin o </a:t>
             </a:r>
             <a:r>
-              <a:rPr lang="tr-TR" sz="2400" dirty="0" err="1">
+              <a:rPr lang="tr-TR" sz="2000" dirty="0" err="1">
+                <a:latin typeface="Consolas"/>
                 <a:ea typeface="+mn-lt"/>
                 <a:cs typeface="+mn-lt"/>
               </a:rPr>
               <a:t>haldur</a:t>
             </a:r>
             <a:r>
-              <a:rPr lang="tr-TR" sz="2400" dirty="0">
-                <a:ea typeface="+mn-lt"/>
-                <a:cs typeface="+mn-lt"/>
-              </a:rPr>
-              <a:t> </a:t>
-            </a:r>
-            <a:r>
-              <a:rPr lang="tr-TR" sz="2400" dirty="0" err="1">
+              <a:rPr lang="tr-TR" sz="2000" dirty="0">
+                <a:latin typeface="Consolas"/>
+                <a:ea typeface="+mn-lt"/>
+                <a:cs typeface="+mn-lt"/>
+              </a:rPr>
+              <a:t> </a:t>
+            </a:r>
+            <a:r>
+              <a:rPr lang="tr-TR" sz="2000" dirty="0" err="1">
+                <a:latin typeface="Consolas"/>
                 <a:ea typeface="+mn-lt"/>
                 <a:cs typeface="+mn-lt"/>
               </a:rPr>
               <a:t>huldur</a:t>
             </a:r>
             <a:r>
-              <a:rPr lang="tr-TR" sz="2400" dirty="0">
+              <a:rPr lang="tr-TR" sz="2000" dirty="0">
+                <a:latin typeface="Consolas"/>
                 <a:ea typeface="+mn-lt"/>
                 <a:cs typeface="+mn-lt"/>
               </a:rPr>
               <a:t> debelendiğin dünyandan çıkıp yeni bir evrende kaybolman için çoğu insanın aç kaldığı bir mesleği yapan sanatçına saygı göstermezsin öyle mi? </a:t>
             </a:r>
-            <a:endParaRPr lang="tr-TR"/>
+            <a:endParaRPr lang="tr-TR" sz="2000">
+              <a:latin typeface="Consolas"/>
+            </a:endParaRPr>
           </a:p>
           <a:p>
             <a:pPr algn="ctr">
@@ -7278,7 +7350,8 @@
                 <a:spcPts val="1000"/>
               </a:spcBef>
             </a:pPr>
-            <a:endParaRPr lang="tr-TR" sz="2400" dirty="0">
+            <a:endParaRPr lang="tr-TR" sz="2000" dirty="0">
+              <a:latin typeface="Consolas"/>
               <a:ea typeface="+mn-lt"/>
               <a:cs typeface="+mn-lt"/>
             </a:endParaRPr>
@@ -7292,7 +7365,8 @@
                 <a:spcPts val="1000"/>
               </a:spcBef>
             </a:pPr>
-            <a:endParaRPr lang="tr-TR" sz="2400" dirty="0">
+            <a:endParaRPr lang="tr-TR" sz="2000" dirty="0">
+              <a:latin typeface="Consolas"/>
               <a:ea typeface="+mn-lt"/>
               <a:cs typeface="+mn-lt"/>
             </a:endParaRPr>
@@ -7307,13 +7381,16 @@
               </a:spcBef>
             </a:pPr>
             <a:r>
-              <a:rPr lang="tr-TR" sz="2400" dirty="0">
+              <a:rPr lang="tr-TR" sz="2000" dirty="0">
+                <a:latin typeface="Consolas"/>
                 <a:ea typeface="+mn-lt"/>
                 <a:cs typeface="+mn-lt"/>
               </a:rPr>
               <a:t>Eğer öyleyse SENDEN REZİLİ YOK. Bu dünyada istersen her şeye sahip olabilirsin ama böyle bir durumdaysan BENİM saygıma asla sahip olamazsın. Sana tek tek kuralları anlatmama gerek yok, sadece vicdanına hesap vermeyi seçersen nerede ne yapman gerektiğini hissedeceksin.</a:t>
             </a:r>
-            <a:endParaRPr lang="tr-TR" sz="2400" dirty="0"/>
+            <a:endParaRPr lang="tr-TR" sz="2000" dirty="0">
+              <a:latin typeface="Consolas"/>
+            </a:endParaRPr>
           </a:p>
         </p:txBody>
       </p:sp>
@@ -7565,17 +7642,19 @@
           <a:p>
             <a:pPr algn="ctr"/>
             <a:r>
-              <a:rPr lang="en-US" spc="390">
+              <a:rPr lang="en-US" spc="390" dirty="0">
                 <a:solidFill>
                   <a:schemeClr val="tx1"/>
                 </a:solidFill>
+                <a:latin typeface="Consolas"/>
               </a:rPr>
               <a:t>OYUN NE ANLATIYOR?</a:t>
             </a:r>
-            <a:endParaRPr lang="en-US">
+            <a:endParaRPr lang="en-US" dirty="0">
               <a:solidFill>
                 <a:schemeClr val="tx1"/>
               </a:solidFill>
+              <a:latin typeface="Consolas"/>
             </a:endParaRPr>
           </a:p>
         </p:txBody>
@@ -7613,7 +7692,7 @@
             <a:prstTxWarp prst="textNoShape">
               <a:avLst/>
             </a:prstTxWarp>
-            <a:normAutofit lnSpcReduction="10000"/>
+            <a:normAutofit fontScale="92500" lnSpcReduction="20000"/>
           </a:bodyPr>
           <a:lstStyle/>
           <a:p>
@@ -7627,673 +7706,673 @@
             </a:pPr>
             <a:r>
               <a:rPr lang="en-US" sz="2400" dirty="0" err="1">
-                <a:latin typeface="Bembo"/>
+                <a:latin typeface="Consolas"/>
               </a:rPr>
               <a:t>Dönemin</a:t>
             </a:r>
             <a:r>
               <a:rPr lang="en-US" sz="2400" dirty="0">
-                <a:latin typeface="Bembo"/>
+                <a:latin typeface="Consolas"/>
               </a:rPr>
               <a:t> </a:t>
             </a:r>
             <a:r>
               <a:rPr lang="en-US" sz="2400" dirty="0" err="1">
-                <a:latin typeface="Bembo"/>
+                <a:latin typeface="Consolas"/>
               </a:rPr>
               <a:t>İtalya’sına</a:t>
             </a:r>
             <a:r>
               <a:rPr lang="en-US" sz="2400" dirty="0">
-                <a:latin typeface="Bembo"/>
+                <a:latin typeface="Consolas"/>
               </a:rPr>
               <a:t> </a:t>
             </a:r>
             <a:r>
               <a:rPr lang="en-US" sz="2400" dirty="0" err="1">
-                <a:latin typeface="Bembo"/>
+                <a:latin typeface="Consolas"/>
               </a:rPr>
               <a:t>baskıcı</a:t>
             </a:r>
             <a:r>
               <a:rPr lang="en-US" sz="2400" dirty="0">
-                <a:latin typeface="Bembo"/>
+                <a:latin typeface="Consolas"/>
               </a:rPr>
               <a:t> </a:t>
             </a:r>
             <a:r>
               <a:rPr lang="en-US" sz="2400" dirty="0" err="1">
-                <a:latin typeface="Bembo"/>
+                <a:latin typeface="Consolas"/>
               </a:rPr>
               <a:t>ve</a:t>
             </a:r>
             <a:r>
               <a:rPr lang="en-US" sz="2400" dirty="0">
-                <a:latin typeface="Bembo"/>
+                <a:latin typeface="Consolas"/>
               </a:rPr>
               <a:t> </a:t>
             </a:r>
             <a:r>
               <a:rPr lang="en-US" sz="2400" dirty="0" err="1">
-                <a:latin typeface="Bembo"/>
+                <a:latin typeface="Consolas"/>
               </a:rPr>
               <a:t>yasakçı</a:t>
             </a:r>
             <a:r>
               <a:rPr lang="en-US" sz="2400" dirty="0">
-                <a:latin typeface="Bembo"/>
+                <a:latin typeface="Consolas"/>
               </a:rPr>
               <a:t> </a:t>
             </a:r>
             <a:r>
               <a:rPr lang="en-US" sz="2400" dirty="0" err="1">
-                <a:latin typeface="Bembo"/>
+                <a:latin typeface="Consolas"/>
               </a:rPr>
               <a:t>iktidar</a:t>
             </a:r>
             <a:r>
               <a:rPr lang="en-US" sz="2400" dirty="0">
-                <a:latin typeface="Bembo"/>
+                <a:latin typeface="Consolas"/>
               </a:rPr>
               <a:t>, polis </a:t>
             </a:r>
             <a:r>
               <a:rPr lang="en-US" sz="2400" dirty="0" err="1">
-                <a:latin typeface="Bembo"/>
+                <a:latin typeface="Consolas"/>
               </a:rPr>
               <a:t>tarafından</a:t>
             </a:r>
             <a:r>
               <a:rPr lang="en-US" sz="2400" dirty="0">
-                <a:latin typeface="Bembo"/>
+                <a:latin typeface="Consolas"/>
               </a:rPr>
               <a:t> </a:t>
             </a:r>
             <a:r>
               <a:rPr lang="en-US" sz="2400" dirty="0" err="1">
-                <a:latin typeface="Bembo"/>
+                <a:latin typeface="Consolas"/>
               </a:rPr>
               <a:t>kuşatılan</a:t>
             </a:r>
             <a:r>
               <a:rPr lang="en-US" sz="2400" dirty="0">
-                <a:latin typeface="Bembo"/>
+                <a:latin typeface="Consolas"/>
               </a:rPr>
               <a:t> </a:t>
             </a:r>
             <a:r>
               <a:rPr lang="en-US" sz="2400" dirty="0" err="1">
-                <a:latin typeface="Bembo"/>
+                <a:latin typeface="Consolas"/>
               </a:rPr>
               <a:t>işçi</a:t>
             </a:r>
             <a:r>
               <a:rPr lang="en-US" sz="2400" dirty="0">
-                <a:latin typeface="Bembo"/>
+                <a:latin typeface="Consolas"/>
               </a:rPr>
               <a:t> </a:t>
             </a:r>
             <a:r>
               <a:rPr lang="en-US" sz="2400" dirty="0" err="1">
-                <a:latin typeface="Bembo"/>
+                <a:latin typeface="Consolas"/>
               </a:rPr>
               <a:t>mahalleleri</a:t>
             </a:r>
             <a:r>
               <a:rPr lang="en-US" sz="2400" dirty="0">
-                <a:latin typeface="Bembo"/>
+                <a:latin typeface="Consolas"/>
               </a:rPr>
               <a:t>, </a:t>
             </a:r>
             <a:r>
               <a:rPr lang="en-US" sz="2400" dirty="0" err="1">
-                <a:latin typeface="Bembo"/>
+                <a:latin typeface="Consolas"/>
               </a:rPr>
               <a:t>artan</a:t>
             </a:r>
             <a:r>
               <a:rPr lang="en-US" sz="2400" dirty="0">
-                <a:latin typeface="Bembo"/>
+                <a:latin typeface="Consolas"/>
               </a:rPr>
               <a:t> </a:t>
             </a:r>
             <a:r>
               <a:rPr lang="en-US" sz="2400" dirty="0" err="1">
-                <a:latin typeface="Bembo"/>
+                <a:latin typeface="Consolas"/>
               </a:rPr>
               <a:t>hayat</a:t>
             </a:r>
             <a:r>
               <a:rPr lang="en-US" sz="2400" dirty="0">
-                <a:latin typeface="Bembo"/>
+                <a:latin typeface="Consolas"/>
               </a:rPr>
               <a:t> </a:t>
             </a:r>
             <a:r>
               <a:rPr lang="en-US" sz="2400" dirty="0" err="1">
-                <a:latin typeface="Bembo"/>
+                <a:latin typeface="Consolas"/>
               </a:rPr>
               <a:t>pahalılığı</a:t>
             </a:r>
             <a:r>
               <a:rPr lang="en-US" sz="2400" dirty="0">
-                <a:latin typeface="Bembo"/>
+                <a:latin typeface="Consolas"/>
               </a:rPr>
               <a:t> </a:t>
             </a:r>
             <a:r>
               <a:rPr lang="en-US" sz="2400" dirty="0" err="1">
-                <a:latin typeface="Bembo"/>
+                <a:latin typeface="Consolas"/>
               </a:rPr>
               <a:t>ve</a:t>
             </a:r>
             <a:r>
               <a:rPr lang="en-US" sz="2400" dirty="0">
-                <a:latin typeface="Bembo"/>
+                <a:latin typeface="Consolas"/>
               </a:rPr>
               <a:t> </a:t>
             </a:r>
             <a:r>
               <a:rPr lang="en-US" sz="2400" dirty="0" err="1">
-                <a:latin typeface="Bembo"/>
+                <a:latin typeface="Consolas"/>
               </a:rPr>
               <a:t>vergiler</a:t>
             </a:r>
             <a:r>
               <a:rPr lang="en-US" sz="2400" dirty="0">
-                <a:latin typeface="Bembo"/>
+                <a:latin typeface="Consolas"/>
               </a:rPr>
               <a:t> </a:t>
             </a:r>
             <a:r>
               <a:rPr lang="en-US" sz="2400" dirty="0" err="1">
-                <a:latin typeface="Bembo"/>
+                <a:latin typeface="Consolas"/>
               </a:rPr>
               <a:t>hâkim</a:t>
             </a:r>
             <a:r>
               <a:rPr lang="en-US" sz="2400" dirty="0">
-                <a:latin typeface="Bembo"/>
+                <a:latin typeface="Consolas"/>
               </a:rPr>
               <a:t>. </a:t>
             </a:r>
             <a:r>
               <a:rPr lang="en-US" sz="2400" dirty="0" err="1">
-                <a:latin typeface="Bembo"/>
+                <a:latin typeface="Consolas"/>
               </a:rPr>
               <a:t>Ücretler</a:t>
             </a:r>
             <a:r>
               <a:rPr lang="en-US" sz="2400" dirty="0">
-                <a:latin typeface="Bembo"/>
+                <a:latin typeface="Consolas"/>
               </a:rPr>
               <a:t> </a:t>
             </a:r>
             <a:r>
               <a:rPr lang="en-US" sz="2400" dirty="0" err="1">
-                <a:latin typeface="Bembo"/>
+                <a:latin typeface="Consolas"/>
               </a:rPr>
               <a:t>dondurulmuş</a:t>
             </a:r>
             <a:r>
               <a:rPr lang="en-US" sz="2400" dirty="0">
-                <a:latin typeface="Bembo"/>
+                <a:latin typeface="Consolas"/>
               </a:rPr>
               <a:t>, </a:t>
             </a:r>
             <a:r>
               <a:rPr lang="en-US" sz="2400" dirty="0" err="1">
-                <a:latin typeface="Bembo"/>
+                <a:latin typeface="Consolas"/>
               </a:rPr>
               <a:t>grevler</a:t>
             </a:r>
             <a:r>
               <a:rPr lang="en-US" sz="2400" dirty="0">
-                <a:latin typeface="Bembo"/>
+                <a:latin typeface="Consolas"/>
               </a:rPr>
               <a:t> </a:t>
             </a:r>
             <a:r>
               <a:rPr lang="en-US" sz="2400" dirty="0" err="1">
-                <a:latin typeface="Bembo"/>
+                <a:latin typeface="Consolas"/>
               </a:rPr>
               <a:t>yasaklanmış</a:t>
             </a:r>
             <a:r>
               <a:rPr lang="en-US" sz="2400" dirty="0">
-                <a:latin typeface="Bembo"/>
+                <a:latin typeface="Consolas"/>
               </a:rPr>
               <a:t>, </a:t>
             </a:r>
             <a:r>
               <a:rPr lang="en-US" sz="2400" dirty="0" err="1">
-                <a:latin typeface="Bembo"/>
+                <a:latin typeface="Consolas"/>
               </a:rPr>
               <a:t>sendikalar</a:t>
             </a:r>
             <a:r>
               <a:rPr lang="en-US" sz="2400" dirty="0">
-                <a:latin typeface="Bembo"/>
+                <a:latin typeface="Consolas"/>
               </a:rPr>
               <a:t> </a:t>
             </a:r>
             <a:r>
               <a:rPr lang="en-US" sz="2400" dirty="0" err="1">
-                <a:latin typeface="Bembo"/>
-              </a:rPr>
-              <a:t>işlevsizleştirilmiştir</a:t>
+                <a:latin typeface="Consolas"/>
+              </a:rPr>
+              <a:t>işlevsizleştirilmiş</a:t>
             </a:r>
             <a:r>
               <a:rPr lang="en-US" sz="2400" dirty="0">
-                <a:latin typeface="Bembo"/>
+                <a:latin typeface="Consolas"/>
               </a:rPr>
               <a:t>. </a:t>
             </a:r>
             <a:r>
               <a:rPr lang="en-US" sz="2400" dirty="0" err="1">
-                <a:latin typeface="Bembo"/>
+                <a:latin typeface="Consolas"/>
               </a:rPr>
               <a:t>İşçiler</a:t>
             </a:r>
             <a:r>
               <a:rPr lang="en-US" sz="2400" dirty="0">
-                <a:latin typeface="Bembo"/>
+                <a:latin typeface="Consolas"/>
               </a:rPr>
               <a:t> </a:t>
             </a:r>
             <a:r>
               <a:rPr lang="en-US" sz="2400" dirty="0" err="1">
-                <a:latin typeface="Bembo"/>
+                <a:latin typeface="Consolas"/>
               </a:rPr>
               <a:t>faturalarını</a:t>
             </a:r>
             <a:r>
               <a:rPr lang="en-US" sz="2400" dirty="0">
-                <a:latin typeface="Bembo"/>
+                <a:latin typeface="Consolas"/>
               </a:rPr>
               <a:t> </a:t>
             </a:r>
             <a:r>
               <a:rPr lang="en-US" sz="2400" dirty="0" err="1">
-                <a:latin typeface="Bembo"/>
+                <a:latin typeface="Consolas"/>
               </a:rPr>
               <a:t>ve</a:t>
             </a:r>
             <a:r>
               <a:rPr lang="en-US" sz="2400" dirty="0">
-                <a:latin typeface="Bembo"/>
+                <a:latin typeface="Consolas"/>
               </a:rPr>
               <a:t> </a:t>
             </a:r>
             <a:r>
               <a:rPr lang="en-US" sz="2400" dirty="0" err="1">
-                <a:latin typeface="Bembo"/>
+                <a:latin typeface="Consolas"/>
               </a:rPr>
               <a:t>kiralarını</a:t>
             </a:r>
             <a:r>
               <a:rPr lang="en-US" sz="2400" dirty="0">
-                <a:latin typeface="Bembo"/>
+                <a:latin typeface="Consolas"/>
               </a:rPr>
               <a:t> </a:t>
             </a:r>
             <a:r>
               <a:rPr lang="en-US" sz="2400" dirty="0" err="1">
-                <a:latin typeface="Bembo"/>
+                <a:latin typeface="Consolas"/>
               </a:rPr>
               <a:t>ödeyemez</a:t>
             </a:r>
             <a:r>
               <a:rPr lang="en-US" sz="2400" dirty="0">
-                <a:latin typeface="Bembo"/>
+                <a:latin typeface="Consolas"/>
               </a:rPr>
               <a:t> </a:t>
             </a:r>
             <a:r>
               <a:rPr lang="en-US" sz="2400" dirty="0" err="1">
-                <a:latin typeface="Bembo"/>
+                <a:latin typeface="Consolas"/>
               </a:rPr>
               <a:t>durumda</a:t>
             </a:r>
             <a:r>
               <a:rPr lang="en-US" sz="2400" dirty="0">
-                <a:latin typeface="Bembo"/>
+                <a:latin typeface="Consolas"/>
               </a:rPr>
               <a:t> </a:t>
             </a:r>
             <a:r>
               <a:rPr lang="en-US" sz="2400" dirty="0" err="1">
-                <a:latin typeface="Bembo"/>
+                <a:latin typeface="Consolas"/>
               </a:rPr>
               <a:t>ve</a:t>
             </a:r>
             <a:r>
               <a:rPr lang="en-US" sz="2400" dirty="0">
-                <a:latin typeface="Bembo"/>
+                <a:latin typeface="Consolas"/>
               </a:rPr>
               <a:t> </a:t>
             </a:r>
             <a:r>
               <a:rPr lang="en-US" sz="2400" dirty="0" err="1">
-                <a:latin typeface="Bembo"/>
+                <a:latin typeface="Consolas"/>
               </a:rPr>
               <a:t>açlığın</a:t>
             </a:r>
             <a:r>
               <a:rPr lang="en-US" sz="2400" dirty="0">
-                <a:latin typeface="Bembo"/>
+                <a:latin typeface="Consolas"/>
               </a:rPr>
               <a:t> </a:t>
             </a:r>
             <a:r>
               <a:rPr lang="en-US" sz="2400" dirty="0" err="1">
-                <a:latin typeface="Bembo"/>
+                <a:latin typeface="Consolas"/>
               </a:rPr>
               <a:t>pençesinde</a:t>
             </a:r>
             <a:r>
               <a:rPr lang="en-US" sz="2400" dirty="0">
-                <a:latin typeface="Bembo"/>
+                <a:latin typeface="Consolas"/>
               </a:rPr>
               <a:t> </a:t>
             </a:r>
             <a:r>
               <a:rPr lang="en-US" sz="2400" dirty="0" err="1">
-                <a:latin typeface="Bembo"/>
+                <a:latin typeface="Consolas"/>
               </a:rPr>
               <a:t>bir</a:t>
             </a:r>
             <a:r>
               <a:rPr lang="en-US" sz="2400" dirty="0">
-                <a:latin typeface="Bembo"/>
+                <a:latin typeface="Consolas"/>
               </a:rPr>
               <a:t> </a:t>
             </a:r>
             <a:r>
               <a:rPr lang="en-US" sz="2400" dirty="0" err="1">
-                <a:latin typeface="Bembo"/>
+                <a:latin typeface="Consolas"/>
               </a:rPr>
               <a:t>yaşama</a:t>
             </a:r>
             <a:r>
               <a:rPr lang="en-US" sz="2400" dirty="0">
-                <a:latin typeface="Bembo"/>
+                <a:latin typeface="Consolas"/>
               </a:rPr>
               <a:t> </a:t>
             </a:r>
             <a:r>
               <a:rPr lang="en-US" sz="2400" dirty="0" err="1">
-                <a:latin typeface="Bembo"/>
+                <a:latin typeface="Consolas"/>
               </a:rPr>
               <a:t>mahkûm</a:t>
             </a:r>
             <a:r>
               <a:rPr lang="en-US" sz="2400" dirty="0">
-                <a:latin typeface="Bembo"/>
+                <a:latin typeface="Consolas"/>
               </a:rPr>
               <a:t> </a:t>
             </a:r>
             <a:r>
               <a:rPr lang="en-US" sz="2400" dirty="0" err="1">
-                <a:latin typeface="Bembo"/>
-              </a:rPr>
-              <a:t>edilmişlerdir</a:t>
+                <a:latin typeface="Consolas"/>
+              </a:rPr>
+              <a:t>edilmişler</a:t>
             </a:r>
             <a:r>
               <a:rPr lang="en-US" sz="2400" dirty="0">
-                <a:latin typeface="Bembo"/>
+                <a:latin typeface="Consolas"/>
               </a:rPr>
               <a:t>. Tek </a:t>
             </a:r>
             <a:r>
               <a:rPr lang="en-US" sz="2400" dirty="0" err="1">
-                <a:latin typeface="Bembo"/>
+                <a:latin typeface="Consolas"/>
               </a:rPr>
               <a:t>tek</a:t>
             </a:r>
             <a:r>
               <a:rPr lang="en-US" sz="2400" dirty="0">
-                <a:latin typeface="Bembo"/>
+                <a:latin typeface="Consolas"/>
               </a:rPr>
               <a:t> </a:t>
             </a:r>
             <a:r>
               <a:rPr lang="en-US" sz="2400" dirty="0" err="1">
-                <a:latin typeface="Bembo"/>
+                <a:latin typeface="Consolas"/>
               </a:rPr>
               <a:t>duruma</a:t>
             </a:r>
             <a:r>
               <a:rPr lang="en-US" sz="2400" dirty="0">
-                <a:latin typeface="Bembo"/>
+                <a:latin typeface="Consolas"/>
               </a:rPr>
               <a:t> </a:t>
             </a:r>
             <a:r>
               <a:rPr lang="en-US" sz="2400" dirty="0" err="1">
-                <a:latin typeface="Bembo"/>
+                <a:latin typeface="Consolas"/>
               </a:rPr>
               <a:t>tepki</a:t>
             </a:r>
             <a:r>
               <a:rPr lang="en-US" sz="2400" dirty="0">
-                <a:latin typeface="Bembo"/>
+                <a:latin typeface="Consolas"/>
               </a:rPr>
               <a:t> </a:t>
             </a:r>
             <a:r>
               <a:rPr lang="en-US" sz="2400" dirty="0" err="1">
-                <a:latin typeface="Bembo"/>
+                <a:latin typeface="Consolas"/>
               </a:rPr>
               <a:t>göstermenin</a:t>
             </a:r>
             <a:r>
               <a:rPr lang="en-US" sz="2400" dirty="0">
-                <a:latin typeface="Bembo"/>
+                <a:latin typeface="Consolas"/>
               </a:rPr>
               <a:t> </a:t>
             </a:r>
             <a:r>
               <a:rPr lang="en-US" sz="2400" dirty="0" err="1">
-                <a:latin typeface="Bembo"/>
+                <a:latin typeface="Consolas"/>
               </a:rPr>
               <a:t>çare</a:t>
             </a:r>
             <a:r>
               <a:rPr lang="en-US" sz="2400" dirty="0">
-                <a:latin typeface="Bembo"/>
+                <a:latin typeface="Consolas"/>
               </a:rPr>
               <a:t> </a:t>
             </a:r>
             <a:r>
               <a:rPr lang="en-US" sz="2400" dirty="0" err="1">
-                <a:latin typeface="Bembo"/>
+                <a:latin typeface="Consolas"/>
               </a:rPr>
               <a:t>olmadığını</a:t>
             </a:r>
             <a:r>
               <a:rPr lang="en-US" sz="2400" dirty="0">
-                <a:latin typeface="Bembo"/>
+                <a:latin typeface="Consolas"/>
               </a:rPr>
               <a:t> fark </a:t>
             </a:r>
             <a:r>
               <a:rPr lang="en-US" sz="2400" dirty="0" err="1">
-                <a:latin typeface="Bembo"/>
+                <a:latin typeface="Consolas"/>
               </a:rPr>
               <a:t>ettiklerinde</a:t>
             </a:r>
             <a:r>
               <a:rPr lang="en-US" sz="2400" dirty="0">
-                <a:latin typeface="Bembo"/>
+                <a:latin typeface="Consolas"/>
               </a:rPr>
               <a:t>, </a:t>
             </a:r>
             <a:r>
               <a:rPr lang="en-US" sz="2400" dirty="0" err="1">
-                <a:latin typeface="Bembo"/>
+                <a:latin typeface="Consolas"/>
               </a:rPr>
               <a:t>çoğunluğunu</a:t>
             </a:r>
             <a:r>
               <a:rPr lang="en-US" sz="2400" dirty="0">
-                <a:latin typeface="Bembo"/>
+                <a:latin typeface="Consolas"/>
               </a:rPr>
               <a:t> </a:t>
             </a:r>
             <a:r>
               <a:rPr lang="en-US" sz="2400" dirty="0" err="1">
-                <a:latin typeface="Bembo"/>
+                <a:latin typeface="Consolas"/>
               </a:rPr>
               <a:t>kadınların</a:t>
             </a:r>
             <a:r>
               <a:rPr lang="en-US" sz="2400" dirty="0">
-                <a:latin typeface="Bembo"/>
+                <a:latin typeface="Consolas"/>
               </a:rPr>
               <a:t> </a:t>
             </a:r>
             <a:r>
               <a:rPr lang="en-US" sz="2400" dirty="0" err="1">
-                <a:latin typeface="Bembo"/>
+                <a:latin typeface="Consolas"/>
               </a:rPr>
               <a:t>oluşturduğu</a:t>
             </a:r>
             <a:r>
               <a:rPr lang="en-US" sz="2400" dirty="0">
-                <a:latin typeface="Bembo"/>
+                <a:latin typeface="Consolas"/>
               </a:rPr>
               <a:t> </a:t>
             </a:r>
             <a:r>
               <a:rPr lang="en-US" sz="2400" dirty="0" err="1">
-                <a:latin typeface="Bembo"/>
+                <a:latin typeface="Consolas"/>
               </a:rPr>
               <a:t>işçiler</a:t>
             </a:r>
             <a:r>
               <a:rPr lang="en-US" sz="2400" dirty="0">
-                <a:latin typeface="Bembo"/>
+                <a:latin typeface="Consolas"/>
               </a:rPr>
               <a:t>, </a:t>
             </a:r>
             <a:r>
               <a:rPr lang="en-US" sz="2400" dirty="0" err="1">
-                <a:latin typeface="Bembo"/>
+                <a:latin typeface="Consolas"/>
               </a:rPr>
               <a:t>zamları</a:t>
             </a:r>
             <a:r>
               <a:rPr lang="en-US" sz="2400" dirty="0">
-                <a:latin typeface="Bembo"/>
+                <a:latin typeface="Consolas"/>
               </a:rPr>
               <a:t> </a:t>
             </a:r>
             <a:r>
               <a:rPr lang="en-US" sz="2400" dirty="0" err="1">
-                <a:latin typeface="Bembo"/>
+                <a:latin typeface="Consolas"/>
               </a:rPr>
               <a:t>protesto</a:t>
             </a:r>
             <a:r>
               <a:rPr lang="en-US" sz="2400" dirty="0">
-                <a:latin typeface="Bembo"/>
+                <a:latin typeface="Consolas"/>
               </a:rPr>
               <a:t> </a:t>
             </a:r>
             <a:r>
               <a:rPr lang="en-US" sz="2400" dirty="0" err="1">
-                <a:latin typeface="Bembo"/>
+                <a:latin typeface="Consolas"/>
               </a:rPr>
               <a:t>edip</a:t>
             </a:r>
             <a:r>
               <a:rPr lang="en-US" sz="2400" dirty="0">
-                <a:latin typeface="Bembo"/>
+                <a:latin typeface="Consolas"/>
               </a:rPr>
               <a:t> </a:t>
             </a:r>
             <a:r>
               <a:rPr lang="en-US" sz="2400" dirty="0" err="1">
-                <a:latin typeface="Bembo"/>
+                <a:latin typeface="Consolas"/>
               </a:rPr>
               <a:t>eski</a:t>
             </a:r>
             <a:r>
               <a:rPr lang="en-US" sz="2400" dirty="0">
-                <a:latin typeface="Bembo"/>
+                <a:latin typeface="Consolas"/>
               </a:rPr>
               <a:t> </a:t>
             </a:r>
             <a:r>
               <a:rPr lang="en-US" sz="2400" dirty="0" err="1">
-                <a:latin typeface="Bembo"/>
+                <a:latin typeface="Consolas"/>
               </a:rPr>
               <a:t>fiyatlar</a:t>
             </a:r>
             <a:r>
               <a:rPr lang="en-US" sz="2400" dirty="0">
-                <a:latin typeface="Bembo"/>
+                <a:latin typeface="Consolas"/>
               </a:rPr>
               <a:t> </a:t>
             </a:r>
             <a:r>
               <a:rPr lang="en-US" sz="2400" dirty="0" err="1">
-                <a:latin typeface="Bembo"/>
+                <a:latin typeface="Consolas"/>
               </a:rPr>
               <a:t>üzerinden</a:t>
             </a:r>
             <a:r>
               <a:rPr lang="en-US" sz="2400" dirty="0">
-                <a:latin typeface="Bembo"/>
+                <a:latin typeface="Consolas"/>
               </a:rPr>
               <a:t> </a:t>
             </a:r>
             <a:r>
               <a:rPr lang="en-US" sz="2400" dirty="0" err="1">
-                <a:latin typeface="Bembo"/>
+                <a:latin typeface="Consolas"/>
               </a:rPr>
               <a:t>alışveriş</a:t>
             </a:r>
             <a:r>
               <a:rPr lang="en-US" sz="2400" dirty="0">
-                <a:latin typeface="Bembo"/>
+                <a:latin typeface="Consolas"/>
               </a:rPr>
               <a:t> </a:t>
             </a:r>
             <a:r>
               <a:rPr lang="en-US" sz="2400" dirty="0" err="1">
-                <a:latin typeface="Bembo"/>
+                <a:latin typeface="Consolas"/>
               </a:rPr>
               <a:t>yapmak</a:t>
             </a:r>
             <a:r>
               <a:rPr lang="en-US" sz="2400" dirty="0">
-                <a:latin typeface="Bembo"/>
+                <a:latin typeface="Consolas"/>
               </a:rPr>
               <a:t> </a:t>
             </a:r>
             <a:r>
               <a:rPr lang="en-US" sz="2400" dirty="0" err="1">
-                <a:latin typeface="Bembo"/>
+                <a:latin typeface="Consolas"/>
               </a:rPr>
               <a:t>istediklerini</a:t>
             </a:r>
             <a:r>
               <a:rPr lang="en-US" sz="2400" dirty="0">
-                <a:latin typeface="Bembo"/>
+                <a:latin typeface="Consolas"/>
               </a:rPr>
               <a:t> </a:t>
             </a:r>
             <a:r>
               <a:rPr lang="en-US" sz="2400" dirty="0" err="1">
-                <a:latin typeface="Bembo"/>
+                <a:latin typeface="Consolas"/>
               </a:rPr>
               <a:t>dile</a:t>
             </a:r>
             <a:r>
               <a:rPr lang="en-US" sz="2400" dirty="0">
-                <a:latin typeface="Bembo"/>
+                <a:latin typeface="Consolas"/>
               </a:rPr>
               <a:t> getirmişlerdir</a:t>
             </a:r>
@@ -8302,231 +8381,343 @@
                 <a:solidFill>
                   <a:srgbClr val="555555"/>
                 </a:solidFill>
-                <a:latin typeface="Georgia"/>
+                <a:latin typeface="Consolas"/>
               </a:rPr>
               <a:t>.</a:t>
             </a:r>
             <a:r>
-              <a:rPr lang="en-US" sz="2400" dirty="0"/>
+              <a:rPr lang="en-US" sz="2400" dirty="0">
+                <a:latin typeface="Consolas"/>
+              </a:rPr>
               <a:t>ki </a:t>
             </a:r>
             <a:r>
-              <a:rPr lang="en-US" sz="2400" dirty="0" err="1"/>
+              <a:rPr lang="en-US" sz="2400" dirty="0" err="1">
+                <a:latin typeface="Consolas"/>
+              </a:rPr>
               <a:t>işçi</a:t>
             </a:r>
             <a:r>
-              <a:rPr lang="en-US" sz="2400" dirty="0"/>
-              <a:t> </a:t>
-            </a:r>
-            <a:r>
-              <a:rPr lang="en-US" sz="2400" dirty="0" err="1"/>
+              <a:rPr lang="en-US" sz="2400" dirty="0">
+                <a:latin typeface="Consolas"/>
+              </a:rPr>
+              <a:t> </a:t>
+            </a:r>
+            <a:r>
+              <a:rPr lang="en-US" sz="2400" dirty="0" err="1">
+                <a:latin typeface="Consolas"/>
+              </a:rPr>
               <a:t>ailesinin</a:t>
             </a:r>
             <a:r>
-              <a:rPr lang="en-US" sz="2400" dirty="0"/>
-              <a:t> </a:t>
-            </a:r>
-            <a:r>
-              <a:rPr lang="en-US" sz="2400" dirty="0" err="1"/>
+              <a:rPr lang="en-US" sz="2400" dirty="0">
+                <a:latin typeface="Consolas"/>
+              </a:rPr>
+              <a:t> </a:t>
+            </a:r>
+            <a:r>
+              <a:rPr lang="en-US" sz="2400" dirty="0" err="1">
+                <a:latin typeface="Consolas"/>
+              </a:rPr>
               <a:t>başına</a:t>
             </a:r>
             <a:r>
-              <a:rPr lang="en-US" sz="2400" dirty="0"/>
-              <a:t> </a:t>
-            </a:r>
-            <a:r>
-              <a:rPr lang="en-US" sz="2400" dirty="0" err="1"/>
+              <a:rPr lang="en-US" sz="2400" dirty="0">
+                <a:latin typeface="Consolas"/>
+              </a:rPr>
+              <a:t> </a:t>
+            </a:r>
+            <a:r>
+              <a:rPr lang="en-US" sz="2400" dirty="0" err="1">
+                <a:latin typeface="Consolas"/>
+              </a:rPr>
               <a:t>gelen</a:t>
             </a:r>
             <a:r>
-              <a:rPr lang="en-US" sz="2400" dirty="0"/>
-              <a:t> </a:t>
-            </a:r>
-            <a:r>
-              <a:rPr lang="en-US" sz="2400" dirty="0" err="1"/>
+              <a:rPr lang="en-US" sz="2400" dirty="0">
+                <a:latin typeface="Consolas"/>
+              </a:rPr>
+              <a:t> </a:t>
+            </a:r>
+            <a:r>
+              <a:rPr lang="en-US" sz="2400" dirty="0" err="1">
+                <a:latin typeface="Consolas"/>
+              </a:rPr>
               <a:t>sıradışı</a:t>
             </a:r>
             <a:r>
-              <a:rPr lang="en-US" sz="2400" dirty="0"/>
-              <a:t> </a:t>
-            </a:r>
-            <a:r>
-              <a:rPr lang="en-US" sz="2400" dirty="0" err="1"/>
+              <a:rPr lang="en-US" sz="2400" dirty="0">
+                <a:latin typeface="Consolas"/>
+              </a:rPr>
+              <a:t> </a:t>
+            </a:r>
+            <a:r>
+              <a:rPr lang="en-US" sz="2400" dirty="0" err="1">
+                <a:latin typeface="Consolas"/>
+              </a:rPr>
               <a:t>olaylar</a:t>
             </a:r>
             <a:r>
-              <a:rPr lang="en-US" sz="2400" dirty="0"/>
-              <a:t> </a:t>
-            </a:r>
-            <a:r>
-              <a:rPr lang="en-US" sz="2400" dirty="0" err="1"/>
+              <a:rPr lang="en-US" sz="2400" dirty="0">
+                <a:latin typeface="Consolas"/>
+              </a:rPr>
+              <a:t> </a:t>
+            </a:r>
+            <a:r>
+              <a:rPr lang="en-US" sz="2400" dirty="0" err="1">
+                <a:latin typeface="Consolas"/>
+              </a:rPr>
               <a:t>karşısında</a:t>
             </a:r>
             <a:r>
-              <a:rPr lang="en-US" sz="2400" dirty="0"/>
-              <a:t> </a:t>
-            </a:r>
-            <a:r>
-              <a:rPr lang="en-US" sz="2400" dirty="0" err="1"/>
+              <a:rPr lang="en-US" sz="2400" dirty="0">
+                <a:latin typeface="Consolas"/>
+              </a:rPr>
+              <a:t> </a:t>
+            </a:r>
+            <a:r>
+              <a:rPr lang="en-US" sz="2400" dirty="0" err="1">
+                <a:latin typeface="Consolas"/>
+              </a:rPr>
               <a:t>birbirlerine</a:t>
             </a:r>
             <a:r>
-              <a:rPr lang="en-US" sz="2400" dirty="0"/>
-              <a:t> </a:t>
-            </a:r>
-            <a:r>
-              <a:rPr lang="en-US" sz="2400" dirty="0" err="1"/>
+              <a:rPr lang="en-US" sz="2400" dirty="0">
+                <a:latin typeface="Consolas"/>
+              </a:rPr>
+              <a:t> </a:t>
+            </a:r>
+            <a:r>
+              <a:rPr lang="en-US" sz="2400" dirty="0" err="1">
+                <a:latin typeface="Consolas"/>
+              </a:rPr>
               <a:t>ve</a:t>
             </a:r>
             <a:r>
-              <a:rPr lang="en-US" sz="2400" dirty="0"/>
-              <a:t> </a:t>
-            </a:r>
-            <a:r>
-              <a:rPr lang="en-US" sz="2400" dirty="0" err="1"/>
+              <a:rPr lang="en-US" sz="2400" dirty="0">
+                <a:latin typeface="Consolas"/>
+              </a:rPr>
+              <a:t> </a:t>
+            </a:r>
+            <a:r>
+              <a:rPr lang="en-US" sz="2400" dirty="0" err="1">
+                <a:latin typeface="Consolas"/>
+              </a:rPr>
               <a:t>sisteme</a:t>
             </a:r>
             <a:r>
-              <a:rPr lang="en-US" sz="2400" dirty="0"/>
-              <a:t> </a:t>
-            </a:r>
-            <a:r>
-              <a:rPr lang="en-US" sz="2400" dirty="0" err="1"/>
+              <a:rPr lang="en-US" sz="2400" dirty="0">
+                <a:latin typeface="Consolas"/>
+              </a:rPr>
+              <a:t> </a:t>
+            </a:r>
+            <a:r>
+              <a:rPr lang="en-US" sz="2400" dirty="0" err="1">
+                <a:latin typeface="Consolas"/>
+              </a:rPr>
               <a:t>verdikleri</a:t>
             </a:r>
             <a:r>
-              <a:rPr lang="en-US" sz="2400" dirty="0"/>
-              <a:t> </a:t>
-            </a:r>
-            <a:r>
-              <a:rPr lang="en-US" sz="2400" dirty="0" err="1"/>
+              <a:rPr lang="en-US" sz="2400" dirty="0">
+                <a:latin typeface="Consolas"/>
+              </a:rPr>
+              <a:t> </a:t>
+            </a:r>
+            <a:r>
+              <a:rPr lang="en-US" sz="2400" dirty="0" err="1">
+                <a:latin typeface="Consolas"/>
+              </a:rPr>
               <a:t>komik</a:t>
             </a:r>
             <a:r>
-              <a:rPr lang="en-US" sz="2400" dirty="0"/>
-              <a:t> </a:t>
-            </a:r>
-            <a:r>
-              <a:rPr lang="en-US" sz="2400" dirty="0" err="1"/>
+              <a:rPr lang="en-US" sz="2400" dirty="0">
+                <a:latin typeface="Consolas"/>
+              </a:rPr>
+              <a:t> </a:t>
+            </a:r>
+            <a:r>
+              <a:rPr lang="en-US" sz="2400" dirty="0" err="1">
+                <a:latin typeface="Consolas"/>
+              </a:rPr>
               <a:t>mücadeleyi</a:t>
             </a:r>
             <a:r>
-              <a:rPr lang="en-US" sz="2400" dirty="0"/>
-              <a:t> </a:t>
-            </a:r>
-            <a:r>
-              <a:rPr lang="en-US" sz="2400" dirty="0" err="1"/>
+              <a:rPr lang="en-US" sz="2400" dirty="0">
+                <a:latin typeface="Consolas"/>
+              </a:rPr>
+              <a:t> </a:t>
+            </a:r>
+            <a:r>
+              <a:rPr lang="en-US" sz="2400" dirty="0" err="1">
+                <a:latin typeface="Consolas"/>
+              </a:rPr>
               <a:t>anlatır</a:t>
             </a:r>
             <a:r>
-              <a:rPr lang="en-US" sz="2400" dirty="0"/>
+              <a:rPr lang="en-US" sz="2400" dirty="0">
+                <a:latin typeface="Consolas"/>
+              </a:rPr>
               <a:t>. "</a:t>
             </a:r>
             <a:r>
-              <a:rPr lang="en-US" sz="2400" dirty="0" err="1"/>
+              <a:rPr lang="en-US" sz="2400" dirty="0" err="1">
+                <a:latin typeface="Consolas"/>
+              </a:rPr>
               <a:t>Ödenmeyecek</a:t>
             </a:r>
             <a:r>
-              <a:rPr lang="en-US" sz="2400" dirty="0"/>
+              <a:rPr lang="en-US" sz="2400" dirty="0">
+                <a:latin typeface="Consolas"/>
+              </a:rPr>
               <a:t>, </a:t>
             </a:r>
             <a:r>
-              <a:rPr lang="en-US" sz="2400" dirty="0" err="1"/>
+              <a:rPr lang="en-US" sz="2400" dirty="0" err="1">
+                <a:latin typeface="Consolas"/>
+              </a:rPr>
               <a:t>ödemiyoruz</a:t>
             </a:r>
             <a:r>
-              <a:rPr lang="en-US" sz="2400" dirty="0"/>
+              <a:rPr lang="en-US" sz="2400" dirty="0">
+                <a:latin typeface="Consolas"/>
+              </a:rPr>
               <a:t>!" </a:t>
             </a:r>
             <a:r>
-              <a:rPr lang="en-US" sz="2400" dirty="0" err="1"/>
+              <a:rPr lang="en-US" sz="2400" dirty="0" err="1">
+                <a:latin typeface="Consolas"/>
+              </a:rPr>
               <a:t>diyerek</a:t>
             </a:r>
             <a:r>
-              <a:rPr lang="en-US" sz="2400" dirty="0"/>
-              <a:t> </a:t>
-            </a:r>
-            <a:r>
-              <a:rPr lang="en-US" sz="2400" dirty="0" err="1"/>
+              <a:rPr lang="en-US" sz="2400" dirty="0">
+                <a:latin typeface="Consolas"/>
+              </a:rPr>
+              <a:t> </a:t>
+            </a:r>
+            <a:r>
+              <a:rPr lang="en-US" sz="2400" dirty="0" err="1">
+                <a:latin typeface="Consolas"/>
+              </a:rPr>
               <a:t>süpermarketteki</a:t>
             </a:r>
             <a:r>
-              <a:rPr lang="en-US" sz="2400" dirty="0"/>
-              <a:t> </a:t>
-            </a:r>
-            <a:r>
-              <a:rPr lang="en-US" sz="2400" dirty="0" err="1"/>
+              <a:rPr lang="en-US" sz="2400" dirty="0">
+                <a:latin typeface="Consolas"/>
+              </a:rPr>
+              <a:t> </a:t>
+            </a:r>
+            <a:r>
+              <a:rPr lang="en-US" sz="2400" dirty="0" err="1">
+                <a:latin typeface="Consolas"/>
+              </a:rPr>
               <a:t>yiyeceklere</a:t>
             </a:r>
             <a:r>
-              <a:rPr lang="en-US" sz="2400" dirty="0"/>
-              <a:t> </a:t>
-            </a:r>
-            <a:r>
-              <a:rPr lang="en-US" sz="2400" dirty="0" err="1"/>
+              <a:rPr lang="en-US" sz="2400" dirty="0">
+                <a:latin typeface="Consolas"/>
+              </a:rPr>
+              <a:t> </a:t>
+            </a:r>
+            <a:r>
+              <a:rPr lang="en-US" sz="2400" dirty="0" err="1">
+                <a:latin typeface="Consolas"/>
+              </a:rPr>
               <a:t>el</a:t>
             </a:r>
             <a:r>
-              <a:rPr lang="en-US" sz="2400" dirty="0"/>
-              <a:t> </a:t>
-            </a:r>
-            <a:r>
-              <a:rPr lang="en-US" sz="2400" dirty="0" err="1"/>
+              <a:rPr lang="en-US" sz="2400" dirty="0">
+                <a:latin typeface="Consolas"/>
+              </a:rPr>
+              <a:t> </a:t>
+            </a:r>
+            <a:r>
+              <a:rPr lang="en-US" sz="2400" dirty="0" err="1">
+                <a:latin typeface="Consolas"/>
+              </a:rPr>
               <a:t>koyan</a:t>
             </a:r>
             <a:r>
-              <a:rPr lang="en-US" sz="2400" dirty="0"/>
-              <a:t> </a:t>
-            </a:r>
-            <a:r>
-              <a:rPr lang="en-US" sz="2400" dirty="0" err="1"/>
+              <a:rPr lang="en-US" sz="2400" dirty="0">
+                <a:latin typeface="Consolas"/>
+              </a:rPr>
+              <a:t> </a:t>
+            </a:r>
+            <a:r>
+              <a:rPr lang="en-US" sz="2400" dirty="0" err="1">
+                <a:latin typeface="Consolas"/>
+              </a:rPr>
               <a:t>yoksul</a:t>
             </a:r>
             <a:r>
-              <a:rPr lang="en-US" sz="2400" dirty="0"/>
-              <a:t> </a:t>
-            </a:r>
-            <a:r>
-              <a:rPr lang="en-US" sz="2400" dirty="0" err="1"/>
+              <a:rPr lang="en-US" sz="2400" dirty="0">
+                <a:latin typeface="Consolas"/>
+              </a:rPr>
+              <a:t> </a:t>
+            </a:r>
+            <a:r>
+              <a:rPr lang="en-US" sz="2400" dirty="0" err="1">
+                <a:latin typeface="Consolas"/>
+              </a:rPr>
               <a:t>kesimin</a:t>
             </a:r>
             <a:r>
-              <a:rPr lang="en-US" sz="2400" dirty="0"/>
-              <a:t> </a:t>
-            </a:r>
-            <a:r>
-              <a:rPr lang="en-US" sz="2400" dirty="0" err="1"/>
+              <a:rPr lang="en-US" sz="2400" dirty="0">
+                <a:latin typeface="Consolas"/>
+              </a:rPr>
+              <a:t> </a:t>
+            </a:r>
+            <a:r>
+              <a:rPr lang="en-US" sz="2400" dirty="0" err="1">
+                <a:latin typeface="Consolas"/>
+              </a:rPr>
               <a:t>mahallesi</a:t>
             </a:r>
             <a:r>
-              <a:rPr lang="en-US" sz="2400" dirty="0"/>
-              <a:t> </a:t>
-            </a:r>
-            <a:r>
-              <a:rPr lang="en-US" sz="2400" dirty="0" err="1"/>
+              <a:rPr lang="en-US" sz="2400" dirty="0">
+                <a:latin typeface="Consolas"/>
+              </a:rPr>
+              <a:t> </a:t>
+            </a:r>
+            <a:r>
+              <a:rPr lang="en-US" sz="2400" dirty="0" err="1">
+                <a:latin typeface="Consolas"/>
+              </a:rPr>
               <a:t>polisler</a:t>
             </a:r>
             <a:r>
-              <a:rPr lang="en-US" sz="2400" dirty="0"/>
-              <a:t> </a:t>
-            </a:r>
-            <a:r>
-              <a:rPr lang="en-US" sz="2400" dirty="0" err="1"/>
+              <a:rPr lang="en-US" sz="2400" dirty="0">
+                <a:latin typeface="Consolas"/>
+              </a:rPr>
+              <a:t> </a:t>
+            </a:r>
+            <a:r>
+              <a:rPr lang="en-US" sz="2400" dirty="0" err="1">
+                <a:latin typeface="Consolas"/>
+              </a:rPr>
               <a:t>tarafından</a:t>
             </a:r>
             <a:r>
-              <a:rPr lang="en-US" sz="2400" dirty="0"/>
-              <a:t> </a:t>
-            </a:r>
-            <a:r>
-              <a:rPr lang="en-US" sz="2400" dirty="0" err="1"/>
+              <a:rPr lang="en-US" sz="2400" dirty="0">
+                <a:latin typeface="Consolas"/>
+              </a:rPr>
+              <a:t> </a:t>
+            </a:r>
+            <a:r>
+              <a:rPr lang="en-US" sz="2400" dirty="0" err="1">
+                <a:latin typeface="Consolas"/>
+              </a:rPr>
               <a:t>kuşatılır</a:t>
             </a:r>
             <a:r>
-              <a:rPr lang="en-US" sz="2400" dirty="0"/>
+              <a:rPr lang="en-US" sz="2400" dirty="0">
+                <a:latin typeface="Consolas"/>
+              </a:rPr>
               <a:t>...</a:t>
             </a:r>
-            <a:endParaRPr lang="tr-TR" sz="2400"/>
+            <a:endParaRPr lang="tr-TR" sz="2400">
+              <a:latin typeface="Consolas"/>
+            </a:endParaRPr>
           </a:p>
           <a:p>
             <a:pPr algn="ctr">
@@ -9290,7 +9481,9 @@
           <a:p>
             <a:pPr algn="ctr"/>
             <a:r>
-              <a:rPr lang="en-US" sz="2800" cap="all" spc="390" dirty="0"/>
+              <a:rPr lang="en-US" sz="2800" cap="all" spc="390" dirty="0">
+                <a:latin typeface="Consolas"/>
+              </a:rPr>
               <a:t>4'Ü 9 ETTİM Mİ?</a:t>
             </a:r>
           </a:p>
@@ -9564,7 +9757,7 @@
         <p:spPr>
           <a:xfrm>
             <a:off x="489185" y="1778000"/>
-            <a:ext cx="11138370" cy="2922851"/>
+            <a:ext cx="11138370" cy="4901855"/>
           </a:xfrm>
           <a:prstGeom prst="rect">
             <a:avLst/>
@@ -9582,710 +9775,1890 @@
           <a:p>
             <a:pPr algn="ctr"/>
             <a:r>
-              <a:rPr lang="en-US" sz="2200" dirty="0" err="1">
+              <a:rPr lang="en-US" dirty="0" err="1">
+                <a:latin typeface="Consolas"/>
                 <a:ea typeface="+mn-lt"/>
                 <a:cs typeface="+mn-lt"/>
               </a:rPr>
               <a:t>Biraz</a:t>
             </a:r>
             <a:r>
-              <a:rPr lang="en-US" sz="2200" dirty="0">
+              <a:rPr lang="en-US" dirty="0">
+                <a:latin typeface="Consolas"/>
                 <a:ea typeface="+mn-lt"/>
                 <a:cs typeface="+mn-lt"/>
               </a:rPr>
               <a:t> </a:t>
             </a:r>
             <a:r>
-              <a:rPr lang="en-US" sz="2200" dirty="0" err="1">
+              <a:rPr lang="en-US" dirty="0" err="1">
+                <a:latin typeface="Consolas"/>
                 <a:ea typeface="+mn-lt"/>
                 <a:cs typeface="+mn-lt"/>
               </a:rPr>
               <a:t>olsun</a:t>
             </a:r>
             <a:r>
-              <a:rPr lang="en-US" sz="2200" dirty="0">
+              <a:rPr lang="en-US" dirty="0">
+                <a:latin typeface="Consolas"/>
                 <a:ea typeface="+mn-lt"/>
                 <a:cs typeface="+mn-lt"/>
               </a:rPr>
               <a:t> </a:t>
             </a:r>
             <a:r>
-              <a:rPr lang="en-US" sz="2200" dirty="0" err="1">
+              <a:rPr lang="en-US" dirty="0" err="1">
+                <a:latin typeface="Consolas"/>
                 <a:ea typeface="+mn-lt"/>
                 <a:cs typeface="+mn-lt"/>
               </a:rPr>
               <a:t>ettim</a:t>
             </a:r>
             <a:r>
-              <a:rPr lang="en-US" sz="2200" dirty="0">
+              <a:rPr lang="en-US" dirty="0">
+                <a:latin typeface="Consolas"/>
                 <a:ea typeface="+mn-lt"/>
                 <a:cs typeface="+mn-lt"/>
               </a:rPr>
               <a:t>.</a:t>
             </a:r>
             <a:r>
-              <a:rPr lang="en-US" sz="2200" dirty="0">
+              <a:rPr lang="en-US" dirty="0">
                 <a:solidFill>
                   <a:srgbClr val="FFFFFF"/>
                 </a:solidFill>
+                <a:latin typeface="Consolas"/>
                 <a:ea typeface="+mn-lt"/>
                 <a:cs typeface="+mn-lt"/>
               </a:rPr>
               <a:t> </a:t>
             </a:r>
             <a:r>
-              <a:rPr lang="en-US" sz="2200" b="1" u="sng" dirty="0" err="1">
+              <a:rPr lang="en-US" b="1" u="sng" dirty="0" err="1">
                 <a:solidFill>
                   <a:srgbClr val="FF0000"/>
                 </a:solidFill>
+                <a:latin typeface="Consolas"/>
                 <a:ea typeface="+mn-lt"/>
                 <a:cs typeface="+mn-lt"/>
               </a:rPr>
               <a:t>Omuz</a:t>
             </a:r>
             <a:r>
-              <a:rPr lang="en-US" sz="2200" b="1" u="sng" dirty="0">
+              <a:rPr lang="en-US" b="1" u="sng" dirty="0">
                 <a:solidFill>
                   <a:srgbClr val="FF0000"/>
                 </a:solidFill>
-                <a:ea typeface="+mn-lt"/>
-                <a:cs typeface="+mn-lt"/>
-              </a:rPr>
-              <a:t> 120 cm Kol 35 cm Kalf 35 cm </a:t>
-            </a:r>
-            <a:r>
-              <a:rPr lang="en-US" sz="2200" b="1" u="sng" dirty="0" err="1">
+                <a:latin typeface="Consolas"/>
+                <a:ea typeface="+mn-lt"/>
+                <a:cs typeface="+mn-lt"/>
+              </a:rPr>
+              <a:t> 120 cm, Kol 35 cm, Kalf 35 cm, </a:t>
+            </a:r>
+            <a:r>
+              <a:rPr lang="en-US" b="1" u="sng" dirty="0" err="1">
                 <a:solidFill>
                   <a:srgbClr val="FF0000"/>
                 </a:solidFill>
-                <a:ea typeface="+mn-lt"/>
-                <a:cs typeface="+mn-lt"/>
-              </a:rPr>
-              <a:t>Su</a:t>
-            </a:r>
-            <a:r>
-              <a:rPr lang="en-US" sz="2200" b="1" u="sng" dirty="0">
+                <a:latin typeface="Consolas"/>
+                <a:ea typeface="+mn-lt"/>
+                <a:cs typeface="+mn-lt"/>
+              </a:rPr>
+              <a:t>su</a:t>
+            </a:r>
+            <a:r>
+              <a:rPr lang="en-US" b="1" u="sng" dirty="0">
                 <a:solidFill>
                   <a:srgbClr val="FF0000"/>
                 </a:solidFill>
+                <a:latin typeface="Consolas"/>
                 <a:ea typeface="+mn-lt"/>
                 <a:cs typeface="+mn-lt"/>
               </a:rPr>
               <a:t> </a:t>
             </a:r>
             <a:r>
-              <a:rPr lang="en-US" sz="2200" b="1" u="sng" dirty="0" err="1">
+              <a:rPr lang="en-US" b="1" u="sng" dirty="0" err="1">
                 <a:solidFill>
                   <a:srgbClr val="FF0000"/>
                 </a:solidFill>
+                <a:latin typeface="Consolas"/>
                 <a:ea typeface="+mn-lt"/>
                 <a:cs typeface="+mn-lt"/>
               </a:rPr>
               <a:t>aygırı</a:t>
             </a:r>
             <a:r>
-              <a:rPr lang="en-US" sz="2200" b="1" u="sng" dirty="0">
+              <a:rPr lang="en-US" b="1" u="sng" dirty="0">
                 <a:solidFill>
                   <a:srgbClr val="FF0000"/>
                 </a:solidFill>
+                <a:latin typeface="Consolas"/>
                 <a:ea typeface="+mn-lt"/>
                 <a:cs typeface="+mn-lt"/>
               </a:rPr>
               <a:t> </a:t>
             </a:r>
             <a:r>
-              <a:rPr lang="en-US" sz="2200" b="1" u="sng" dirty="0" err="1">
+              <a:rPr lang="en-US" b="1" u="sng" dirty="0" err="1">
                 <a:solidFill>
                   <a:srgbClr val="FF0000"/>
                 </a:solidFill>
+                <a:latin typeface="Consolas"/>
                 <a:ea typeface="+mn-lt"/>
                 <a:cs typeface="+mn-lt"/>
               </a:rPr>
               <a:t>genetiği</a:t>
             </a:r>
             <a:r>
-              <a:rPr lang="en-US" sz="2200" b="1" u="sng" dirty="0">
+              <a:rPr lang="en-US" b="1" u="sng" dirty="0">
                 <a:solidFill>
                   <a:srgbClr val="FF0000"/>
                 </a:solidFill>
-                <a:ea typeface="+mn-lt"/>
-                <a:cs typeface="+mn-lt"/>
-              </a:rPr>
-              <a:t> </a:t>
-            </a:r>
-            <a:r>
-              <a:rPr lang="en-US" sz="2200" b="1" u="sng" dirty="0" err="1">
+                <a:latin typeface="Consolas"/>
+                <a:ea typeface="+mn-lt"/>
+                <a:cs typeface="+mn-lt"/>
+              </a:rPr>
+              <a:t>, </a:t>
+            </a:r>
+            <a:r>
+              <a:rPr lang="en-US" b="1" u="sng" dirty="0" err="1">
                 <a:solidFill>
                   <a:srgbClr val="FF0000"/>
                 </a:solidFill>
+                <a:latin typeface="Consolas"/>
                 <a:ea typeface="+mn-lt"/>
                 <a:cs typeface="+mn-lt"/>
               </a:rPr>
               <a:t>süper</a:t>
             </a:r>
             <a:r>
-              <a:rPr lang="en-US" sz="2200" b="1" u="sng" dirty="0">
+              <a:rPr lang="en-US" b="1" u="sng" dirty="0">
                 <a:solidFill>
                   <a:srgbClr val="FF0000"/>
                 </a:solidFill>
+                <a:latin typeface="Consolas"/>
                 <a:ea typeface="+mn-lt"/>
                 <a:cs typeface="+mn-lt"/>
               </a:rPr>
               <a:t> </a:t>
             </a:r>
             <a:r>
-              <a:rPr lang="en-US" sz="2200" b="1" u="sng" dirty="0" err="1">
+              <a:rPr lang="en-US" b="1" u="sng" dirty="0" err="1">
                 <a:solidFill>
                   <a:srgbClr val="FF0000"/>
                 </a:solidFill>
+                <a:latin typeface="Consolas"/>
                 <a:ea typeface="+mn-lt"/>
                 <a:cs typeface="+mn-lt"/>
               </a:rPr>
               <a:t>oyunculuk</a:t>
             </a:r>
             <a:r>
-              <a:rPr lang="en-US" sz="2200" b="1" u="sng" dirty="0">
+              <a:rPr lang="en-US" b="1" u="sng" dirty="0">
                 <a:solidFill>
                   <a:srgbClr val="FF0000"/>
                 </a:solidFill>
+                <a:latin typeface="Consolas"/>
                 <a:ea typeface="+mn-lt"/>
                 <a:cs typeface="+mn-lt"/>
               </a:rPr>
               <a:t> GÜÇLÜ KADIN+++</a:t>
             </a:r>
             <a:r>
-              <a:rPr lang="en-US" sz="2200" dirty="0">
+              <a:rPr lang="en-US" dirty="0">
                 <a:solidFill>
                   <a:srgbClr val="FFFFFF"/>
                 </a:solidFill>
+                <a:latin typeface="Consolas"/>
                 <a:ea typeface="+mn-lt"/>
                 <a:cs typeface="+mn-lt"/>
               </a:rPr>
               <a:t> </a:t>
             </a:r>
             <a:r>
-              <a:rPr lang="en-US" sz="2200" dirty="0" err="1">
+              <a:rPr lang="en-US" dirty="0" err="1">
+                <a:latin typeface="Consolas"/>
                 <a:ea typeface="+mn-lt"/>
                 <a:cs typeface="+mn-lt"/>
               </a:rPr>
               <a:t>sağ</a:t>
             </a:r>
             <a:r>
-              <a:rPr lang="en-US" sz="2200" dirty="0">
+              <a:rPr lang="en-US" dirty="0">
+                <a:latin typeface="Consolas"/>
                 <a:ea typeface="+mn-lt"/>
                 <a:cs typeface="+mn-lt"/>
               </a:rPr>
               <a:t> </a:t>
             </a:r>
             <a:r>
-              <a:rPr lang="en-US" sz="2200" dirty="0" err="1">
+              <a:rPr lang="en-US" dirty="0" err="1">
+                <a:latin typeface="Consolas"/>
                 <a:ea typeface="+mn-lt"/>
                 <a:cs typeface="+mn-lt"/>
               </a:rPr>
               <a:t>olsun</a:t>
             </a:r>
             <a:r>
-              <a:rPr lang="en-US" sz="2200" dirty="0">
-                <a:ea typeface="+mn-lt"/>
-                <a:cs typeface="+mn-lt"/>
-              </a:rPr>
-              <a:t>. Birinci </a:t>
-            </a:r>
-            <a:r>
-              <a:rPr lang="en-US" sz="2200" dirty="0" err="1">
-                <a:ea typeface="+mn-lt"/>
-                <a:cs typeface="+mn-lt"/>
-              </a:rPr>
-              <a:t>perde</a:t>
-            </a:r>
-            <a:r>
-              <a:rPr lang="en-US" sz="2200" dirty="0">
+              <a:rPr lang="en-US" dirty="0">
+                <a:latin typeface="Consolas"/>
+                <a:ea typeface="+mn-lt"/>
+                <a:cs typeface="+mn-lt"/>
+              </a:rPr>
+              <a:t>. Birinci </a:t>
+            </a:r>
+            <a:r>
+              <a:rPr lang="en-US" dirty="0" err="1">
+                <a:latin typeface="Consolas"/>
+                <a:ea typeface="+mn-lt"/>
+                <a:cs typeface="+mn-lt"/>
+              </a:rPr>
+              <a:t>perdede</a:t>
+            </a:r>
+            <a:r>
+              <a:rPr lang="en-US" dirty="0">
+                <a:latin typeface="Consolas"/>
+                <a:ea typeface="+mn-lt"/>
+                <a:cs typeface="+mn-lt"/>
+              </a:rPr>
+              <a:t> </a:t>
+            </a:r>
+            <a:r>
+              <a:rPr lang="en-US" dirty="0" err="1">
+                <a:latin typeface="Consolas"/>
+                <a:ea typeface="+mn-lt"/>
+                <a:cs typeface="+mn-lt"/>
+              </a:rPr>
+              <a:t>keyif</a:t>
+            </a:r>
+            <a:r>
+              <a:rPr lang="en-US" dirty="0">
+                <a:latin typeface="Consolas"/>
+                <a:ea typeface="+mn-lt"/>
+                <a:cs typeface="+mn-lt"/>
+              </a:rPr>
+              <a:t> </a:t>
+            </a:r>
+            <a:r>
+              <a:rPr lang="en-US" dirty="0" err="1">
+                <a:latin typeface="Consolas"/>
+                <a:ea typeface="+mn-lt"/>
+                <a:cs typeface="+mn-lt"/>
+              </a:rPr>
+              <a:t>aldım</a:t>
+            </a:r>
+            <a:r>
+              <a:rPr lang="en-US" dirty="0">
+                <a:latin typeface="Consolas"/>
+                <a:ea typeface="+mn-lt"/>
+                <a:cs typeface="+mn-lt"/>
+              </a:rPr>
+              <a:t> ama </a:t>
+            </a:r>
+            <a:r>
+              <a:rPr lang="en-US" dirty="0" err="1">
+                <a:latin typeface="Consolas"/>
+                <a:ea typeface="+mn-lt"/>
+                <a:cs typeface="+mn-lt"/>
+              </a:rPr>
+              <a:t>ikinci</a:t>
+            </a:r>
+            <a:r>
+              <a:rPr lang="en-US" dirty="0">
+                <a:latin typeface="Consolas"/>
+                <a:ea typeface="+mn-lt"/>
+                <a:cs typeface="+mn-lt"/>
+              </a:rPr>
+              <a:t> </a:t>
+            </a:r>
+            <a:r>
+              <a:rPr lang="en-US" dirty="0" err="1">
+                <a:latin typeface="Consolas"/>
+                <a:ea typeface="+mn-lt"/>
+                <a:cs typeface="+mn-lt"/>
+              </a:rPr>
+              <a:t>perdede</a:t>
+            </a:r>
+            <a:r>
+              <a:rPr lang="en-US" dirty="0">
+                <a:latin typeface="Consolas"/>
+                <a:ea typeface="+mn-lt"/>
+                <a:cs typeface="+mn-lt"/>
+              </a:rPr>
+              <a:t> </a:t>
+            </a:r>
+            <a:r>
+              <a:rPr lang="en-US" dirty="0" err="1">
+                <a:latin typeface="Consolas"/>
+                <a:ea typeface="+mn-lt"/>
+                <a:cs typeface="+mn-lt"/>
+              </a:rPr>
+              <a:t>sıkılmıştım</a:t>
+            </a:r>
+            <a:r>
+              <a:rPr lang="en-US" dirty="0">
+                <a:latin typeface="Consolas"/>
+                <a:ea typeface="+mn-lt"/>
+                <a:cs typeface="+mn-lt"/>
+              </a:rPr>
+              <a:t>. </a:t>
+            </a:r>
+            <a:r>
+              <a:rPr lang="en-US" dirty="0" err="1">
+                <a:latin typeface="Consolas"/>
+                <a:ea typeface="+mn-lt"/>
+                <a:cs typeface="+mn-lt"/>
+              </a:rPr>
+              <a:t>Oyuncular</a:t>
+            </a:r>
+            <a:r>
+              <a:rPr lang="en-US" dirty="0">
+                <a:latin typeface="Consolas"/>
                 <a:ea typeface="+mn-lt"/>
                 <a:cs typeface="+mn-lt"/>
               </a:rPr>
               <a:t> </a:t>
             </a:r>
             <a:r>
-              <a:rPr lang="en-US" sz="2200" dirty="0" err="1">
-                <a:ea typeface="+mn-lt"/>
-                <a:cs typeface="+mn-lt"/>
-              </a:rPr>
-              <a:t>oldukça</a:t>
-            </a:r>
-            <a:r>
-              <a:rPr lang="en-US" sz="2200" dirty="0">
+              <a:rPr lang="en-US" dirty="0" err="1">
+                <a:latin typeface="Consolas"/>
+                <a:ea typeface="+mn-lt"/>
+                <a:cs typeface="+mn-lt"/>
+              </a:rPr>
+              <a:t>oyunu</a:t>
+            </a:r>
+            <a:r>
+              <a:rPr lang="en-US" dirty="0">
+                <a:latin typeface="Consolas"/>
+                <a:ea typeface="+mn-lt"/>
+                <a:cs typeface="+mn-lt"/>
+              </a:rPr>
+              <a:t> </a:t>
+            </a:r>
+            <a:r>
+              <a:rPr lang="en-US" dirty="0" err="1">
+                <a:latin typeface="Consolas"/>
+                <a:ea typeface="+mn-lt"/>
+                <a:cs typeface="+mn-lt"/>
+              </a:rPr>
+              <a:t>oynamıyor</a:t>
+            </a:r>
+            <a:r>
+              <a:rPr lang="en-US" dirty="0">
+                <a:latin typeface="Consolas"/>
+                <a:ea typeface="+mn-lt"/>
+                <a:cs typeface="+mn-lt"/>
+              </a:rPr>
+              <a:t>, </a:t>
+            </a:r>
+            <a:r>
+              <a:rPr lang="en-US" dirty="0" err="1">
+                <a:latin typeface="Consolas"/>
+                <a:ea typeface="+mn-lt"/>
+                <a:cs typeface="+mn-lt"/>
+              </a:rPr>
+              <a:t>yaşıyorlardı</a:t>
+            </a:r>
+            <a:r>
+              <a:rPr lang="en-US" dirty="0">
+                <a:latin typeface="Consolas"/>
+                <a:ea typeface="+mn-lt"/>
+                <a:cs typeface="+mn-lt"/>
+              </a:rPr>
+              <a:t>. Resmen </a:t>
+            </a:r>
+            <a:r>
+              <a:rPr lang="en-US" dirty="0" err="1">
+                <a:latin typeface="Consolas"/>
+                <a:ea typeface="+mn-lt"/>
+                <a:cs typeface="+mn-lt"/>
+              </a:rPr>
+              <a:t>rollerine</a:t>
+            </a:r>
+            <a:r>
+              <a:rPr lang="en-US" dirty="0">
+                <a:latin typeface="Consolas"/>
+                <a:ea typeface="+mn-lt"/>
+                <a:cs typeface="+mn-lt"/>
+              </a:rPr>
+              <a:t> </a:t>
+            </a:r>
+            <a:r>
+              <a:rPr lang="en-US" dirty="0" err="1">
+                <a:latin typeface="Consolas"/>
+                <a:ea typeface="+mn-lt"/>
+                <a:cs typeface="+mn-lt"/>
+              </a:rPr>
+              <a:t>bürünmüşlerdi</a:t>
+            </a:r>
+            <a:r>
+              <a:rPr lang="en-US" dirty="0">
+                <a:latin typeface="Consolas"/>
+                <a:ea typeface="+mn-lt"/>
+                <a:cs typeface="+mn-lt"/>
+              </a:rPr>
+              <a:t>. Bu </a:t>
+            </a:r>
+            <a:r>
+              <a:rPr lang="en-US" dirty="0" err="1">
+                <a:latin typeface="Consolas"/>
+                <a:ea typeface="+mn-lt"/>
+                <a:cs typeface="+mn-lt"/>
+              </a:rPr>
+              <a:t>oyunda</a:t>
+            </a:r>
+            <a:r>
+              <a:rPr lang="en-US" dirty="0">
+                <a:latin typeface="Consolas"/>
+                <a:ea typeface="+mn-lt"/>
+                <a:cs typeface="+mn-lt"/>
+              </a:rPr>
+              <a:t> </a:t>
+            </a:r>
+            <a:r>
+              <a:rPr lang="en-US" dirty="0" err="1">
+                <a:latin typeface="Consolas"/>
+                <a:ea typeface="+mn-lt"/>
+                <a:cs typeface="+mn-lt"/>
+              </a:rPr>
+              <a:t>büründükleri</a:t>
+            </a:r>
+            <a:r>
+              <a:rPr lang="en-US" dirty="0">
+                <a:latin typeface="Consolas"/>
+                <a:ea typeface="+mn-lt"/>
+                <a:cs typeface="+mn-lt"/>
+              </a:rPr>
+              <a:t> </a:t>
+            </a:r>
+            <a:r>
+              <a:rPr lang="en-US" dirty="0" err="1">
+                <a:latin typeface="Consolas"/>
+                <a:ea typeface="+mn-lt"/>
+                <a:cs typeface="+mn-lt"/>
+              </a:rPr>
+              <a:t>karakterler</a:t>
+            </a:r>
+            <a:r>
+              <a:rPr lang="en-US" dirty="0">
+                <a:latin typeface="Consolas"/>
+                <a:ea typeface="+mn-lt"/>
+                <a:cs typeface="+mn-lt"/>
+              </a:rPr>
+              <a:t> </a:t>
+            </a:r>
+            <a:r>
+              <a:rPr lang="en-US" dirty="0" err="1">
+                <a:latin typeface="Consolas"/>
+                <a:ea typeface="+mn-lt"/>
+                <a:cs typeface="+mn-lt"/>
+              </a:rPr>
+              <a:t>özel</a:t>
+            </a:r>
+            <a:r>
+              <a:rPr lang="en-US" dirty="0">
+                <a:latin typeface="Consolas"/>
+                <a:ea typeface="+mn-lt"/>
+                <a:cs typeface="+mn-lt"/>
+              </a:rPr>
+              <a:t> </a:t>
+            </a:r>
+            <a:r>
+              <a:rPr lang="en-US" dirty="0" err="1">
+                <a:latin typeface="Consolas"/>
+                <a:ea typeface="+mn-lt"/>
+                <a:cs typeface="+mn-lt"/>
+              </a:rPr>
+              <a:t>hayatlarına</a:t>
+            </a:r>
+            <a:r>
+              <a:rPr lang="en-US" dirty="0">
+                <a:latin typeface="Consolas"/>
+                <a:ea typeface="+mn-lt"/>
+                <a:cs typeface="+mn-lt"/>
+              </a:rPr>
+              <a:t> da </a:t>
+            </a:r>
+            <a:r>
+              <a:rPr lang="en-US" dirty="0" err="1">
+                <a:latin typeface="Consolas"/>
+                <a:ea typeface="+mn-lt"/>
+                <a:cs typeface="+mn-lt"/>
+              </a:rPr>
+              <a:t>etki</a:t>
+            </a:r>
+            <a:r>
+              <a:rPr lang="en-US" dirty="0">
+                <a:latin typeface="Consolas"/>
+                <a:ea typeface="+mn-lt"/>
+                <a:cs typeface="+mn-lt"/>
+              </a:rPr>
+              <a:t> </a:t>
+            </a:r>
+            <a:r>
+              <a:rPr lang="en-US" dirty="0" err="1">
+                <a:latin typeface="Consolas"/>
+                <a:ea typeface="+mn-lt"/>
+                <a:cs typeface="+mn-lt"/>
+              </a:rPr>
+              <a:t>ediyor</a:t>
+            </a:r>
+            <a:r>
+              <a:rPr lang="en-US" dirty="0">
+                <a:latin typeface="Consolas"/>
+                <a:ea typeface="+mn-lt"/>
+                <a:cs typeface="+mn-lt"/>
+              </a:rPr>
+              <a:t> </a:t>
+            </a:r>
+            <a:r>
+              <a:rPr lang="en-US" dirty="0" err="1">
+                <a:latin typeface="Consolas"/>
+                <a:ea typeface="+mn-lt"/>
+                <a:cs typeface="+mn-lt"/>
+              </a:rPr>
+              <a:t>muydu</a:t>
+            </a:r>
+            <a:r>
+              <a:rPr lang="en-US" dirty="0">
+                <a:latin typeface="Consolas"/>
+                <a:ea typeface="+mn-lt"/>
+                <a:cs typeface="+mn-lt"/>
+              </a:rPr>
+              <a:t> </a:t>
+            </a:r>
+            <a:r>
+              <a:rPr lang="en-US" dirty="0" err="1">
+                <a:latin typeface="Consolas"/>
+                <a:ea typeface="+mn-lt"/>
+                <a:cs typeface="+mn-lt"/>
+              </a:rPr>
+              <a:t>diye</a:t>
+            </a:r>
+            <a:r>
+              <a:rPr lang="en-US" dirty="0">
+                <a:latin typeface="Consolas"/>
+                <a:ea typeface="+mn-lt"/>
+                <a:cs typeface="+mn-lt"/>
+              </a:rPr>
+              <a:t> </a:t>
+            </a:r>
+            <a:r>
+              <a:rPr lang="en-US" dirty="0" err="1">
+                <a:latin typeface="Consolas"/>
+                <a:ea typeface="+mn-lt"/>
+                <a:cs typeface="+mn-lt"/>
+              </a:rPr>
+              <a:t>düşündüm</a:t>
+            </a:r>
+            <a:r>
+              <a:rPr lang="en-US" dirty="0">
+                <a:latin typeface="Consolas"/>
+                <a:ea typeface="+mn-lt"/>
+                <a:cs typeface="+mn-lt"/>
+              </a:rPr>
+              <a:t>. "</a:t>
+            </a:r>
+            <a:r>
+              <a:rPr lang="en-US" dirty="0" err="1">
+                <a:latin typeface="Consolas"/>
+                <a:ea typeface="+mn-lt"/>
+                <a:cs typeface="+mn-lt"/>
+              </a:rPr>
+              <a:t>Erkekler</a:t>
+            </a:r>
+            <a:r>
+              <a:rPr lang="en-US" dirty="0">
+                <a:latin typeface="Consolas"/>
+                <a:ea typeface="+mn-lt"/>
+                <a:cs typeface="+mn-lt"/>
+              </a:rPr>
+              <a:t> </a:t>
+            </a:r>
+            <a:r>
+              <a:rPr lang="en-US" dirty="0" err="1">
+                <a:latin typeface="Consolas"/>
+                <a:ea typeface="+mn-lt"/>
+                <a:cs typeface="+mn-lt"/>
+              </a:rPr>
+              <a:t>Köyü</a:t>
+            </a:r>
+            <a:r>
+              <a:rPr lang="en-US" dirty="0">
+                <a:latin typeface="Consolas"/>
+                <a:ea typeface="+mn-lt"/>
+                <a:cs typeface="+mn-lt"/>
+              </a:rPr>
+              <a:t>" </a:t>
+            </a:r>
+            <a:r>
+              <a:rPr lang="en-US" dirty="0" err="1">
+                <a:latin typeface="Consolas"/>
+                <a:ea typeface="+mn-lt"/>
+                <a:cs typeface="+mn-lt"/>
+              </a:rPr>
+              <a:t>tiyatro</a:t>
+            </a:r>
+            <a:r>
+              <a:rPr lang="en-US" dirty="0">
+                <a:latin typeface="Consolas"/>
+                <a:ea typeface="+mn-lt"/>
+                <a:cs typeface="+mn-lt"/>
+              </a:rPr>
+              <a:t> </a:t>
+            </a:r>
+            <a:r>
+              <a:rPr lang="en-US" dirty="0" err="1">
+                <a:latin typeface="Consolas"/>
+                <a:ea typeface="+mn-lt"/>
+                <a:cs typeface="+mn-lt"/>
+              </a:rPr>
+              <a:t>oyununa</a:t>
+            </a:r>
+            <a:r>
+              <a:rPr lang="en-US" dirty="0">
+                <a:latin typeface="Consolas"/>
+                <a:ea typeface="+mn-lt"/>
+                <a:cs typeface="+mn-lt"/>
+              </a:rPr>
+              <a:t> </a:t>
+            </a:r>
+            <a:r>
+              <a:rPr lang="en-US" dirty="0" err="1">
+                <a:latin typeface="Consolas"/>
+                <a:ea typeface="+mn-lt"/>
+                <a:cs typeface="+mn-lt"/>
+              </a:rPr>
+              <a:t>hazırlanan</a:t>
+            </a:r>
+            <a:r>
+              <a:rPr lang="en-US" dirty="0">
+                <a:latin typeface="Consolas"/>
+                <a:ea typeface="+mn-lt"/>
+                <a:cs typeface="+mn-lt"/>
+              </a:rPr>
+              <a:t> ben </a:t>
+            </a:r>
+            <a:r>
+              <a:rPr lang="en-US" dirty="0" err="1">
+                <a:latin typeface="Consolas"/>
+                <a:ea typeface="+mn-lt"/>
+                <a:cs typeface="+mn-lt"/>
+              </a:rPr>
+              <a:t>bu</a:t>
+            </a:r>
+            <a:r>
+              <a:rPr lang="en-US" dirty="0">
+                <a:latin typeface="Consolas"/>
+                <a:ea typeface="+mn-lt"/>
+                <a:cs typeface="+mn-lt"/>
+              </a:rPr>
+              <a:t> </a:t>
+            </a:r>
+            <a:r>
+              <a:rPr lang="en-US" dirty="0" err="1">
+                <a:latin typeface="Consolas"/>
+                <a:ea typeface="+mn-lt"/>
+                <a:cs typeface="+mn-lt"/>
+              </a:rPr>
+              <a:t>konuda</a:t>
+            </a:r>
+            <a:r>
+              <a:rPr lang="en-US" dirty="0">
+                <a:latin typeface="Consolas"/>
+                <a:ea typeface="+mn-lt"/>
+                <a:cs typeface="+mn-lt"/>
+              </a:rPr>
+              <a:t> </a:t>
+            </a:r>
+            <a:r>
+              <a:rPr lang="en-US" dirty="0" err="1">
+                <a:latin typeface="Consolas"/>
+                <a:ea typeface="+mn-lt"/>
+                <a:cs typeface="+mn-lt"/>
+              </a:rPr>
+              <a:t>tecrübe</a:t>
+            </a:r>
+            <a:r>
+              <a:rPr lang="en-US" dirty="0">
+                <a:latin typeface="Consolas"/>
+                <a:ea typeface="+mn-lt"/>
+                <a:cs typeface="+mn-lt"/>
+              </a:rPr>
+              <a:t> </a:t>
+            </a:r>
+            <a:r>
+              <a:rPr lang="en-US" dirty="0" err="1">
+                <a:latin typeface="Consolas"/>
+                <a:ea typeface="+mn-lt"/>
+                <a:cs typeface="+mn-lt"/>
+              </a:rPr>
+              <a:t>sahibiydim</a:t>
+            </a:r>
+            <a:r>
+              <a:rPr lang="en-US" dirty="0">
+                <a:latin typeface="Consolas"/>
+                <a:ea typeface="+mn-lt"/>
+                <a:cs typeface="+mn-lt"/>
+              </a:rPr>
+              <a:t>. </a:t>
+            </a:r>
+            <a:r>
+              <a:rPr lang="en-US" dirty="0" err="1">
+                <a:latin typeface="Consolas"/>
+                <a:ea typeface="+mn-lt"/>
+                <a:cs typeface="+mn-lt"/>
+              </a:rPr>
+              <a:t>Büründüğüm</a:t>
+            </a:r>
+            <a:r>
+              <a:rPr lang="en-US" dirty="0">
+                <a:latin typeface="Consolas"/>
+                <a:ea typeface="+mn-lt"/>
+                <a:cs typeface="+mn-lt"/>
+              </a:rPr>
+              <a:t> </a:t>
+            </a:r>
+            <a:r>
+              <a:rPr lang="en-US" dirty="0" err="1">
+                <a:latin typeface="Consolas"/>
+                <a:ea typeface="+mn-lt"/>
+                <a:cs typeface="+mn-lt"/>
+              </a:rPr>
+              <a:t>roldeki</a:t>
+            </a:r>
+            <a:r>
+              <a:rPr lang="en-US" dirty="0">
+                <a:latin typeface="Consolas"/>
                 <a:ea typeface="+mn-lt"/>
                 <a:cs typeface="+mn-lt"/>
               </a:rPr>
               <a:t> </a:t>
             </a:r>
             <a:r>
-              <a:rPr lang="en-US" sz="2200" dirty="0" err="1">
-                <a:ea typeface="+mn-lt"/>
-                <a:cs typeface="+mn-lt"/>
-              </a:rPr>
-              <a:t>eğlenceliydi</a:t>
-            </a:r>
-            <a:r>
-              <a:rPr lang="en-US" sz="2200" dirty="0">
-                <a:ea typeface="+mn-lt"/>
-                <a:cs typeface="+mn-lt"/>
-              </a:rPr>
-              <a:t> ama </a:t>
-            </a:r>
-            <a:r>
-              <a:rPr lang="en-US" sz="2200" dirty="0" err="1">
-                <a:ea typeface="+mn-lt"/>
-                <a:cs typeface="+mn-lt"/>
-              </a:rPr>
-              <a:t>oyunun</a:t>
-            </a:r>
-            <a:r>
-              <a:rPr lang="en-US" sz="2200" dirty="0">
-                <a:ea typeface="+mn-lt"/>
-                <a:cs typeface="+mn-lt"/>
-              </a:rPr>
-              <a:t> </a:t>
-            </a:r>
-            <a:r>
-              <a:rPr lang="en-US" sz="2200" dirty="0" err="1">
-                <a:ea typeface="+mn-lt"/>
-                <a:cs typeface="+mn-lt"/>
-              </a:rPr>
-              <a:t>ikinci</a:t>
-            </a:r>
-            <a:r>
-              <a:rPr lang="en-US" sz="2200" dirty="0">
-                <a:ea typeface="+mn-lt"/>
-                <a:cs typeface="+mn-lt"/>
-              </a:rPr>
-              <a:t> </a:t>
-            </a:r>
-            <a:r>
-              <a:rPr lang="en-US" sz="2200" dirty="0" err="1">
-                <a:ea typeface="+mn-lt"/>
-                <a:cs typeface="+mn-lt"/>
-              </a:rPr>
-              <a:t>perdesi</a:t>
-            </a:r>
-            <a:r>
-              <a:rPr lang="en-US" sz="2200" dirty="0">
-                <a:ea typeface="+mn-lt"/>
-                <a:cs typeface="+mn-lt"/>
-              </a:rPr>
-              <a:t> </a:t>
-            </a:r>
-            <a:r>
-              <a:rPr lang="en-US" sz="2200" dirty="0" err="1">
-                <a:ea typeface="+mn-lt"/>
-                <a:cs typeface="+mn-lt"/>
-              </a:rPr>
-              <a:t>çok</a:t>
-            </a:r>
-            <a:r>
-              <a:rPr lang="en-US" sz="2200" dirty="0">
-                <a:ea typeface="+mn-lt"/>
-                <a:cs typeface="+mn-lt"/>
-              </a:rPr>
-              <a:t> </a:t>
-            </a:r>
-            <a:r>
-              <a:rPr lang="en-US" sz="2200" dirty="0" err="1">
-                <a:ea typeface="+mn-lt"/>
-                <a:cs typeface="+mn-lt"/>
-              </a:rPr>
-              <a:t>sıkıcı</a:t>
-            </a:r>
-            <a:r>
-              <a:rPr lang="en-US" sz="2200" dirty="0">
-                <a:ea typeface="+mn-lt"/>
-                <a:cs typeface="+mn-lt"/>
-              </a:rPr>
-              <a:t> </a:t>
-            </a:r>
-            <a:r>
-              <a:rPr lang="en-US" sz="2200" dirty="0" err="1">
-                <a:ea typeface="+mn-lt"/>
-                <a:cs typeface="+mn-lt"/>
-              </a:rPr>
-              <a:t>geçti</a:t>
-            </a:r>
-            <a:r>
-              <a:rPr lang="en-US" sz="2200" dirty="0">
-                <a:ea typeface="+mn-lt"/>
-                <a:cs typeface="+mn-lt"/>
-              </a:rPr>
-              <a:t>. Gerek </a:t>
-            </a:r>
-            <a:r>
-              <a:rPr lang="en-US" sz="2200" dirty="0" err="1">
-                <a:ea typeface="+mn-lt"/>
-                <a:cs typeface="+mn-lt"/>
-              </a:rPr>
-              <a:t>oyunda</a:t>
-            </a:r>
-            <a:r>
-              <a:rPr lang="en-US" sz="2200" dirty="0">
-                <a:ea typeface="+mn-lt"/>
-                <a:cs typeface="+mn-lt"/>
-              </a:rPr>
-              <a:t>, </a:t>
-            </a:r>
-            <a:r>
-              <a:rPr lang="en-US" sz="2200" dirty="0" err="1">
-                <a:ea typeface="+mn-lt"/>
-                <a:cs typeface="+mn-lt"/>
-              </a:rPr>
-              <a:t>gerekse</a:t>
-            </a:r>
-            <a:r>
-              <a:rPr lang="en-US" sz="2200" dirty="0">
-                <a:ea typeface="+mn-lt"/>
-                <a:cs typeface="+mn-lt"/>
-              </a:rPr>
-              <a:t> </a:t>
-            </a:r>
-            <a:r>
-              <a:rPr lang="en-US" sz="2200" dirty="0" err="1">
-                <a:ea typeface="+mn-lt"/>
-                <a:cs typeface="+mn-lt"/>
-              </a:rPr>
-              <a:t>özellikle</a:t>
-            </a:r>
-            <a:r>
-              <a:rPr lang="en-US" sz="2200" dirty="0">
-                <a:ea typeface="+mn-lt"/>
-                <a:cs typeface="+mn-lt"/>
-              </a:rPr>
-              <a:t> </a:t>
-            </a:r>
-            <a:r>
-              <a:rPr lang="en-US" sz="2200" dirty="0" err="1">
-                <a:ea typeface="+mn-lt"/>
-                <a:cs typeface="+mn-lt"/>
-              </a:rPr>
-              <a:t>oyunun</a:t>
-            </a:r>
-            <a:r>
-              <a:rPr lang="en-US" sz="2200" dirty="0">
-                <a:ea typeface="+mn-lt"/>
-                <a:cs typeface="+mn-lt"/>
-              </a:rPr>
-              <a:t> </a:t>
-            </a:r>
-            <a:r>
-              <a:rPr lang="en-US" sz="2200" dirty="0" err="1">
-                <a:ea typeface="+mn-lt"/>
-                <a:cs typeface="+mn-lt"/>
-              </a:rPr>
-              <a:t>sonunda</a:t>
-            </a:r>
-            <a:r>
-              <a:rPr lang="en-US" sz="2200" dirty="0">
-                <a:ea typeface="+mn-lt"/>
-                <a:cs typeface="+mn-lt"/>
-              </a:rPr>
-              <a:t> </a:t>
-            </a:r>
-            <a:r>
-              <a:rPr lang="en-US" sz="2200" dirty="0" err="1">
-                <a:ea typeface="+mn-lt"/>
-                <a:cs typeface="+mn-lt"/>
-              </a:rPr>
-              <a:t>verilen</a:t>
-            </a:r>
-            <a:r>
-              <a:rPr lang="en-US" sz="2200" dirty="0">
-                <a:ea typeface="+mn-lt"/>
-                <a:cs typeface="+mn-lt"/>
-              </a:rPr>
-              <a:t> </a:t>
-            </a:r>
-            <a:r>
-              <a:rPr lang="en-US" sz="2200" dirty="0" err="1">
-                <a:ea typeface="+mn-lt"/>
-                <a:cs typeface="+mn-lt"/>
-              </a:rPr>
-              <a:t>toplumsal</a:t>
-            </a:r>
-            <a:r>
-              <a:rPr lang="en-US" sz="2200" dirty="0">
-                <a:ea typeface="+mn-lt"/>
-                <a:cs typeface="+mn-lt"/>
-              </a:rPr>
-              <a:t> </a:t>
-            </a:r>
-            <a:r>
-              <a:rPr lang="en-US" sz="2200" dirty="0" err="1">
-                <a:ea typeface="+mn-lt"/>
-                <a:cs typeface="+mn-lt"/>
-              </a:rPr>
-              <a:t>mesajlar</a:t>
-            </a:r>
-            <a:r>
-              <a:rPr lang="en-US" sz="2200" dirty="0">
-                <a:ea typeface="+mn-lt"/>
-                <a:cs typeface="+mn-lt"/>
-              </a:rPr>
-              <a:t> </a:t>
-            </a:r>
-            <a:r>
-              <a:rPr lang="en-US" sz="2200" dirty="0" err="1">
-                <a:ea typeface="+mn-lt"/>
-                <a:cs typeface="+mn-lt"/>
-              </a:rPr>
-              <a:t>beni</a:t>
-            </a:r>
-            <a:r>
-              <a:rPr lang="en-US" sz="2200" dirty="0">
-                <a:ea typeface="+mn-lt"/>
-                <a:cs typeface="+mn-lt"/>
-              </a:rPr>
-              <a:t> </a:t>
-            </a:r>
-            <a:r>
-              <a:rPr lang="en-US" sz="2200" dirty="0" err="1">
-                <a:ea typeface="+mn-lt"/>
-                <a:cs typeface="+mn-lt"/>
-              </a:rPr>
-              <a:t>tatmin</a:t>
-            </a:r>
-            <a:endParaRPr lang="tr-TR" dirty="0" err="1"/>
-          </a:p>
-          <a:p>
-            <a:pPr algn="ctr"/>
-            <a:r>
-              <a:rPr lang="en-US" sz="2200" dirty="0" err="1">
-                <a:ea typeface="+mn-lt"/>
-                <a:cs typeface="+mn-lt"/>
-              </a:rPr>
-              <a:t>etmedi</a:t>
-            </a:r>
-            <a:r>
-              <a:rPr lang="en-US" sz="2200" dirty="0">
-                <a:ea typeface="+mn-lt"/>
-                <a:cs typeface="+mn-lt"/>
-              </a:rPr>
-              <a:t>. Bu </a:t>
-            </a:r>
-            <a:r>
-              <a:rPr lang="en-US" sz="2200" dirty="0" err="1">
-                <a:ea typeface="+mn-lt"/>
-                <a:cs typeface="+mn-lt"/>
-              </a:rPr>
-              <a:t>oyun</a:t>
-            </a:r>
-            <a:r>
-              <a:rPr lang="en-US" sz="2200" dirty="0">
-                <a:ea typeface="+mn-lt"/>
-                <a:cs typeface="+mn-lt"/>
-              </a:rPr>
-              <a:t> </a:t>
-            </a:r>
-            <a:r>
-              <a:rPr lang="en-US" sz="2200" dirty="0" err="1">
-                <a:ea typeface="+mn-lt"/>
-                <a:cs typeface="+mn-lt"/>
-              </a:rPr>
-              <a:t>yerine</a:t>
-            </a:r>
-            <a:r>
-              <a:rPr lang="en-US" sz="2200" dirty="0">
-                <a:ea typeface="+mn-lt"/>
-                <a:cs typeface="+mn-lt"/>
-              </a:rPr>
-              <a:t> "1984 Büyük </a:t>
-            </a:r>
-            <a:r>
-              <a:rPr lang="en-US" sz="2200" dirty="0" err="1">
-                <a:ea typeface="+mn-lt"/>
-                <a:cs typeface="+mn-lt"/>
-              </a:rPr>
-              <a:t>Gözaltı</a:t>
-            </a:r>
-            <a:r>
-              <a:rPr lang="en-US" sz="2200" dirty="0">
-                <a:ea typeface="+mn-lt"/>
-                <a:cs typeface="+mn-lt"/>
-              </a:rPr>
-              <a:t>" </a:t>
-            </a:r>
-            <a:r>
-              <a:rPr lang="en-US" sz="2200" dirty="0" err="1">
-                <a:ea typeface="+mn-lt"/>
-                <a:cs typeface="+mn-lt"/>
-              </a:rPr>
-              <a:t>oyununa</a:t>
-            </a:r>
-            <a:r>
-              <a:rPr lang="en-US" sz="2200" dirty="0">
-                <a:ea typeface="+mn-lt"/>
-                <a:cs typeface="+mn-lt"/>
-              </a:rPr>
-              <a:t> </a:t>
-            </a:r>
-            <a:r>
-              <a:rPr lang="en-US" sz="2200" dirty="0" err="1">
-                <a:ea typeface="+mn-lt"/>
-                <a:cs typeface="+mn-lt"/>
-              </a:rPr>
-              <a:t>gitseydim</a:t>
-            </a:r>
-            <a:r>
-              <a:rPr lang="en-US" sz="2200" dirty="0">
-                <a:ea typeface="+mn-lt"/>
-                <a:cs typeface="+mn-lt"/>
-              </a:rPr>
-              <a:t> </a:t>
-            </a:r>
-            <a:r>
-              <a:rPr lang="en-US" sz="2200" dirty="0" err="1">
-                <a:ea typeface="+mn-lt"/>
-                <a:cs typeface="+mn-lt"/>
-              </a:rPr>
-              <a:t>oktilyonlarca</a:t>
-            </a:r>
-            <a:r>
-              <a:rPr lang="en-US" sz="2200" dirty="0">
-                <a:ea typeface="+mn-lt"/>
-                <a:cs typeface="+mn-lt"/>
-              </a:rPr>
-              <a:t> kat </a:t>
-            </a:r>
-            <a:r>
-              <a:rPr lang="en-US" sz="2200" dirty="0" err="1">
-                <a:ea typeface="+mn-lt"/>
-                <a:cs typeface="+mn-lt"/>
-              </a:rPr>
-              <a:t>daha</a:t>
-            </a:r>
-            <a:r>
-              <a:rPr lang="en-US" sz="2200" dirty="0">
-                <a:ea typeface="+mn-lt"/>
-                <a:cs typeface="+mn-lt"/>
-              </a:rPr>
-              <a:t> </a:t>
-            </a:r>
-            <a:r>
-              <a:rPr lang="en-US" sz="2200" dirty="0" err="1">
-                <a:ea typeface="+mn-lt"/>
-                <a:cs typeface="+mn-lt"/>
-              </a:rPr>
-              <a:t>fazla</a:t>
-            </a:r>
-            <a:r>
-              <a:rPr lang="en-US" sz="2200" dirty="0">
-                <a:ea typeface="+mn-lt"/>
-                <a:cs typeface="+mn-lt"/>
-              </a:rPr>
-              <a:t> </a:t>
-            </a:r>
-            <a:r>
-              <a:rPr lang="en-US" sz="2200" dirty="0" err="1">
-                <a:ea typeface="+mn-lt"/>
-                <a:cs typeface="+mn-lt"/>
-              </a:rPr>
-              <a:t>keyif</a:t>
-            </a:r>
-            <a:r>
-              <a:rPr lang="en-US" sz="2200" dirty="0">
-                <a:ea typeface="+mn-lt"/>
-                <a:cs typeface="+mn-lt"/>
-              </a:rPr>
-              <a:t> </a:t>
-            </a:r>
-            <a:r>
-              <a:rPr lang="en-US" sz="2200" dirty="0" err="1">
-                <a:ea typeface="+mn-lt"/>
-                <a:cs typeface="+mn-lt"/>
-              </a:rPr>
-              <a:t>alacağıma</a:t>
-            </a:r>
-            <a:r>
-              <a:rPr lang="en-US" sz="2200" dirty="0">
-                <a:ea typeface="+mn-lt"/>
-                <a:cs typeface="+mn-lt"/>
-              </a:rPr>
-              <a:t> </a:t>
-            </a:r>
-            <a:r>
-              <a:rPr lang="en-US" sz="2200" dirty="0" err="1">
-                <a:ea typeface="+mn-lt"/>
-                <a:cs typeface="+mn-lt"/>
-              </a:rPr>
-              <a:t>eminim</a:t>
-            </a:r>
-            <a:r>
-              <a:rPr lang="en-US" sz="2200" dirty="0">
-                <a:ea typeface="+mn-lt"/>
-                <a:cs typeface="+mn-lt"/>
-              </a:rPr>
-              <a:t>.</a:t>
+              <a:rPr lang="en-US" dirty="0" err="1">
+                <a:latin typeface="Consolas"/>
+                <a:ea typeface="+mn-lt"/>
+                <a:cs typeface="+mn-lt"/>
+              </a:rPr>
+              <a:t>köy</a:t>
+            </a:r>
+            <a:r>
+              <a:rPr lang="en-US" dirty="0">
+                <a:latin typeface="Consolas"/>
+                <a:ea typeface="+mn-lt"/>
+                <a:cs typeface="+mn-lt"/>
+              </a:rPr>
+              <a:t> </a:t>
+            </a:r>
+            <a:r>
+              <a:rPr lang="en-US" dirty="0" err="1">
+                <a:latin typeface="Consolas"/>
+                <a:ea typeface="+mn-lt"/>
+                <a:cs typeface="+mn-lt"/>
+              </a:rPr>
+              <a:t>ağızı</a:t>
+            </a:r>
+            <a:r>
+              <a:rPr lang="en-US" dirty="0">
+                <a:latin typeface="Consolas"/>
+                <a:ea typeface="+mn-lt"/>
+                <a:cs typeface="+mn-lt"/>
+              </a:rPr>
+              <a:t> </a:t>
+            </a:r>
+            <a:r>
+              <a:rPr lang="en-US" dirty="0" err="1">
+                <a:latin typeface="Consolas"/>
+                <a:ea typeface="+mn-lt"/>
+                <a:cs typeface="+mn-lt"/>
+              </a:rPr>
+              <a:t>ve</a:t>
+            </a:r>
+            <a:r>
+              <a:rPr lang="en-US" dirty="0">
+                <a:latin typeface="Consolas"/>
+                <a:ea typeface="+mn-lt"/>
+                <a:cs typeface="+mn-lt"/>
+              </a:rPr>
+              <a:t> </a:t>
+            </a:r>
+            <a:r>
+              <a:rPr lang="en-US" dirty="0" err="1">
+                <a:latin typeface="Consolas"/>
+                <a:ea typeface="+mn-lt"/>
+                <a:cs typeface="+mn-lt"/>
+              </a:rPr>
+              <a:t>karakteristik</a:t>
+            </a:r>
+            <a:r>
+              <a:rPr lang="en-US" dirty="0">
+                <a:latin typeface="Consolas"/>
+                <a:ea typeface="+mn-lt"/>
+                <a:cs typeface="+mn-lt"/>
+              </a:rPr>
+              <a:t> </a:t>
+            </a:r>
+            <a:r>
+              <a:rPr lang="en-US" dirty="0" err="1">
+                <a:latin typeface="Consolas"/>
+                <a:ea typeface="+mn-lt"/>
+                <a:cs typeface="+mn-lt"/>
+              </a:rPr>
+              <a:t>özellikleri</a:t>
+            </a:r>
+            <a:r>
+              <a:rPr lang="en-US" dirty="0">
+                <a:latin typeface="Consolas"/>
+                <a:ea typeface="+mn-lt"/>
+                <a:cs typeface="+mn-lt"/>
+              </a:rPr>
+              <a:t> </a:t>
+            </a:r>
+            <a:r>
+              <a:rPr lang="en-US" dirty="0" err="1">
+                <a:latin typeface="Consolas"/>
+                <a:ea typeface="+mn-lt"/>
+                <a:cs typeface="+mn-lt"/>
+              </a:rPr>
+              <a:t>günlük</a:t>
+            </a:r>
+            <a:r>
+              <a:rPr lang="en-US" dirty="0">
+                <a:latin typeface="Consolas"/>
+                <a:ea typeface="+mn-lt"/>
+                <a:cs typeface="+mn-lt"/>
+              </a:rPr>
+              <a:t> </a:t>
+            </a:r>
+            <a:r>
+              <a:rPr lang="en-US" dirty="0" err="1">
+                <a:latin typeface="Consolas"/>
+                <a:ea typeface="+mn-lt"/>
+                <a:cs typeface="+mn-lt"/>
+              </a:rPr>
+              <a:t>hayatımda</a:t>
+            </a:r>
+            <a:r>
+              <a:rPr lang="en-US" dirty="0">
+                <a:latin typeface="Consolas"/>
+                <a:ea typeface="+mn-lt"/>
+                <a:cs typeface="+mn-lt"/>
+              </a:rPr>
+              <a:t> fark </a:t>
+            </a:r>
+            <a:r>
+              <a:rPr lang="en-US" dirty="0" err="1">
+                <a:latin typeface="Consolas"/>
+                <a:ea typeface="+mn-lt"/>
+                <a:cs typeface="+mn-lt"/>
+              </a:rPr>
+              <a:t>etmeden</a:t>
+            </a:r>
+            <a:r>
+              <a:rPr lang="en-US" dirty="0">
+                <a:latin typeface="Consolas"/>
+                <a:ea typeface="+mn-lt"/>
+                <a:cs typeface="+mn-lt"/>
+              </a:rPr>
+              <a:t> </a:t>
+            </a:r>
+            <a:r>
+              <a:rPr lang="en-US" dirty="0" err="1">
+                <a:latin typeface="Consolas"/>
+                <a:ea typeface="+mn-lt"/>
+                <a:cs typeface="+mn-lt"/>
+              </a:rPr>
+              <a:t>kullandığım</a:t>
+            </a:r>
+            <a:r>
+              <a:rPr lang="en-US" dirty="0">
+                <a:latin typeface="Consolas"/>
+                <a:ea typeface="+mn-lt"/>
+                <a:cs typeface="+mn-lt"/>
+              </a:rPr>
+              <a:t> </a:t>
+            </a:r>
+            <a:r>
+              <a:rPr lang="en-US" dirty="0" err="1">
+                <a:latin typeface="Consolas"/>
+                <a:ea typeface="+mn-lt"/>
+                <a:cs typeface="+mn-lt"/>
+              </a:rPr>
+              <a:t>oluyordu</a:t>
+            </a:r>
+            <a:r>
+              <a:rPr lang="en-US" dirty="0">
+                <a:latin typeface="Consolas"/>
+                <a:ea typeface="+mn-lt"/>
+                <a:cs typeface="+mn-lt"/>
+              </a:rPr>
+              <a:t>. </a:t>
+            </a:r>
+            <a:r>
+              <a:rPr lang="en-US" dirty="0" err="1">
+                <a:latin typeface="Consolas"/>
+                <a:ea typeface="+mn-lt"/>
+                <a:cs typeface="+mn-lt"/>
+              </a:rPr>
+              <a:t>Dolayısıyla</a:t>
+            </a:r>
+            <a:r>
+              <a:rPr lang="en-US" dirty="0">
+                <a:latin typeface="Consolas"/>
+                <a:ea typeface="+mn-lt"/>
+                <a:cs typeface="+mn-lt"/>
+              </a:rPr>
+              <a:t> </a:t>
+            </a:r>
+            <a:r>
+              <a:rPr lang="en-US" dirty="0" err="1">
+                <a:latin typeface="Consolas"/>
+                <a:ea typeface="+mn-lt"/>
+                <a:cs typeface="+mn-lt"/>
+              </a:rPr>
+              <a:t>Tiyatro</a:t>
+            </a:r>
+            <a:r>
+              <a:rPr lang="en-US" dirty="0">
+                <a:latin typeface="Consolas"/>
+                <a:ea typeface="+mn-lt"/>
+                <a:cs typeface="+mn-lt"/>
+              </a:rPr>
+              <a:t> </a:t>
+            </a:r>
+            <a:r>
+              <a:rPr lang="en-US" dirty="0" err="1">
+                <a:latin typeface="Consolas"/>
+                <a:ea typeface="+mn-lt"/>
+                <a:cs typeface="+mn-lt"/>
+              </a:rPr>
+              <a:t>ve</a:t>
+            </a:r>
+            <a:r>
+              <a:rPr lang="en-US" dirty="0">
+                <a:latin typeface="Consolas"/>
+                <a:ea typeface="+mn-lt"/>
+                <a:cs typeface="+mn-lt"/>
+              </a:rPr>
+              <a:t> Sinema </a:t>
+            </a:r>
+            <a:r>
+              <a:rPr lang="en-US" dirty="0" err="1">
+                <a:latin typeface="Consolas"/>
+                <a:ea typeface="+mn-lt"/>
+                <a:cs typeface="+mn-lt"/>
+              </a:rPr>
+              <a:t>gibi</a:t>
+            </a:r>
+            <a:r>
+              <a:rPr lang="en-US" dirty="0">
+                <a:latin typeface="Consolas"/>
+                <a:ea typeface="+mn-lt"/>
+                <a:cs typeface="+mn-lt"/>
+              </a:rPr>
+              <a:t> </a:t>
+            </a:r>
+            <a:r>
+              <a:rPr lang="en-US" dirty="0" err="1">
+                <a:latin typeface="Consolas"/>
+                <a:ea typeface="+mn-lt"/>
+                <a:cs typeface="+mn-lt"/>
+              </a:rPr>
+              <a:t>alanların</a:t>
+            </a:r>
+            <a:r>
+              <a:rPr lang="en-US" dirty="0">
+                <a:latin typeface="Consolas"/>
+                <a:ea typeface="+mn-lt"/>
+                <a:cs typeface="+mn-lt"/>
+              </a:rPr>
+              <a:t> </a:t>
+            </a:r>
+            <a:r>
+              <a:rPr lang="en-US" dirty="0" err="1">
+                <a:latin typeface="Consolas"/>
+                <a:ea typeface="+mn-lt"/>
+                <a:cs typeface="+mn-lt"/>
+              </a:rPr>
+              <a:t>karanlık</a:t>
+            </a:r>
+            <a:r>
+              <a:rPr lang="en-US" dirty="0">
+                <a:latin typeface="Consolas"/>
+                <a:ea typeface="+mn-lt"/>
+                <a:cs typeface="+mn-lt"/>
+              </a:rPr>
+              <a:t> </a:t>
+            </a:r>
+            <a:r>
+              <a:rPr lang="en-US" dirty="0" err="1">
+                <a:latin typeface="Consolas"/>
+                <a:ea typeface="+mn-lt"/>
+                <a:cs typeface="+mn-lt"/>
+              </a:rPr>
+              <a:t>bir</a:t>
+            </a:r>
+            <a:r>
+              <a:rPr lang="en-US" dirty="0">
+                <a:latin typeface="Consolas"/>
+                <a:ea typeface="+mn-lt"/>
+                <a:cs typeface="+mn-lt"/>
+              </a:rPr>
+              <a:t> </a:t>
+            </a:r>
+            <a:r>
+              <a:rPr lang="en-US" dirty="0" err="1">
+                <a:latin typeface="Consolas"/>
+                <a:ea typeface="+mn-lt"/>
+                <a:cs typeface="+mn-lt"/>
+              </a:rPr>
+              <a:t>yönü</a:t>
             </a:r>
             <a:endParaRPr lang="en-US" dirty="0">
+              <a:latin typeface="Consolas"/>
               <a:ea typeface="+mn-lt"/>
               <a:cs typeface="+mn-lt"/>
             </a:endParaRPr>
           </a:p>
           <a:p>
             <a:pPr algn="ctr"/>
-            <a:r>
-              <a:rPr lang="en-US" sz="2200" dirty="0" err="1">
-                <a:ea typeface="+mn-lt"/>
-                <a:cs typeface="+mn-lt"/>
-              </a:rPr>
-              <a:t>Kafama</a:t>
-            </a:r>
-            <a:r>
-              <a:rPr lang="en-US" sz="2200" dirty="0">
+            <a:endParaRPr lang="en-US" dirty="0">
+              <a:latin typeface="Consolas"/>
+              <a:ea typeface="+mn-lt"/>
+              <a:cs typeface="+mn-lt"/>
+            </a:endParaRPr>
+          </a:p>
+          <a:p>
+            <a:pPr algn="ctr"/>
+            <a:endParaRPr lang="en-US" dirty="0">
+              <a:latin typeface="Consolas"/>
+              <a:ea typeface="+mn-lt"/>
+              <a:cs typeface="+mn-lt"/>
+            </a:endParaRPr>
+          </a:p>
+          <a:p>
+            <a:pPr algn="ctr"/>
+            <a:r>
+              <a:rPr lang="en-US" dirty="0" err="1">
+                <a:latin typeface="Consolas"/>
+                <a:ea typeface="+mn-lt"/>
+                <a:cs typeface="+mn-lt"/>
+              </a:rPr>
+              <a:t>olduğunu</a:t>
+            </a:r>
+            <a:r>
+              <a:rPr lang="en-US" dirty="0">
+                <a:latin typeface="Consolas"/>
+                <a:ea typeface="+mn-lt"/>
+                <a:cs typeface="+mn-lt"/>
+              </a:rPr>
+              <a:t> fark </a:t>
+            </a:r>
+            <a:r>
+              <a:rPr lang="en-US" dirty="0" err="1">
+                <a:latin typeface="Consolas"/>
+                <a:ea typeface="+mn-lt"/>
+                <a:cs typeface="+mn-lt"/>
+              </a:rPr>
+              <a:t>ettim</a:t>
+            </a:r>
+            <a:r>
+              <a:rPr lang="en-US" dirty="0">
+                <a:latin typeface="Consolas"/>
+                <a:ea typeface="+mn-lt"/>
+                <a:cs typeface="+mn-lt"/>
+              </a:rPr>
+              <a:t>. </a:t>
+            </a:r>
+            <a:r>
+              <a:rPr lang="en-US" dirty="0" err="1">
+                <a:latin typeface="Consolas"/>
+                <a:ea typeface="+mn-lt"/>
+                <a:cs typeface="+mn-lt"/>
+              </a:rPr>
+              <a:t>Oyunun</a:t>
+            </a:r>
+            <a:r>
+              <a:rPr lang="en-US" dirty="0">
+                <a:latin typeface="Consolas"/>
+                <a:ea typeface="+mn-lt"/>
+                <a:cs typeface="+mn-lt"/>
+              </a:rPr>
+              <a:t> </a:t>
+            </a:r>
+            <a:r>
+              <a:rPr lang="en-US" dirty="0" err="1">
+                <a:latin typeface="Consolas"/>
+                <a:ea typeface="+mn-lt"/>
+                <a:cs typeface="+mn-lt"/>
+              </a:rPr>
+              <a:t>ideolojik</a:t>
+            </a:r>
+            <a:r>
+              <a:rPr lang="en-US" dirty="0">
+                <a:latin typeface="Consolas"/>
+                <a:ea typeface="+mn-lt"/>
+                <a:cs typeface="+mn-lt"/>
+              </a:rPr>
+              <a:t> </a:t>
+            </a:r>
+            <a:r>
+              <a:rPr lang="en-US" dirty="0" err="1">
+                <a:latin typeface="Consolas"/>
+                <a:ea typeface="+mn-lt"/>
+                <a:cs typeface="+mn-lt"/>
+              </a:rPr>
+              <a:t>vurguları</a:t>
+            </a:r>
+            <a:r>
+              <a:rPr lang="en-US" dirty="0">
+                <a:latin typeface="Consolas"/>
+                <a:ea typeface="+mn-lt"/>
+                <a:cs typeface="+mn-lt"/>
+              </a:rPr>
+              <a:t> </a:t>
+            </a:r>
+            <a:r>
+              <a:rPr lang="en-US" dirty="0" err="1">
+                <a:latin typeface="Consolas"/>
+                <a:ea typeface="+mn-lt"/>
+                <a:cs typeface="+mn-lt"/>
+              </a:rPr>
+              <a:t>beni</a:t>
+            </a:r>
+            <a:r>
+              <a:rPr lang="en-US" dirty="0">
+                <a:latin typeface="Consolas"/>
+                <a:ea typeface="+mn-lt"/>
+                <a:cs typeface="+mn-lt"/>
+              </a:rPr>
+              <a:t> </a:t>
+            </a:r>
+            <a:r>
+              <a:rPr lang="en-US" dirty="0" err="1">
+                <a:latin typeface="Consolas"/>
+                <a:ea typeface="+mn-lt"/>
+                <a:cs typeface="+mn-lt"/>
+              </a:rPr>
+              <a:t>tatmin</a:t>
+            </a:r>
+            <a:r>
+              <a:rPr lang="en-US" dirty="0">
+                <a:latin typeface="Consolas"/>
+                <a:ea typeface="+mn-lt"/>
+                <a:cs typeface="+mn-lt"/>
+              </a:rPr>
+              <a:t> </a:t>
+            </a:r>
+            <a:r>
+              <a:rPr lang="en-US" dirty="0" err="1">
+                <a:latin typeface="Consolas"/>
+                <a:ea typeface="+mn-lt"/>
+                <a:cs typeface="+mn-lt"/>
+              </a:rPr>
+              <a:t>etmişti</a:t>
+            </a:r>
+            <a:r>
+              <a:rPr lang="en-US" dirty="0">
+                <a:latin typeface="Consolas"/>
+                <a:ea typeface="+mn-lt"/>
+                <a:cs typeface="+mn-lt"/>
+              </a:rPr>
+              <a:t>, </a:t>
+            </a:r>
+            <a:r>
+              <a:rPr lang="en-US" dirty="0" err="1">
+                <a:latin typeface="Consolas"/>
+                <a:ea typeface="+mn-lt"/>
+                <a:cs typeface="+mn-lt"/>
+              </a:rPr>
+              <a:t>oyuncular</a:t>
+            </a:r>
+            <a:r>
+              <a:rPr lang="en-US" dirty="0">
+                <a:latin typeface="Consolas"/>
+                <a:ea typeface="+mn-lt"/>
+                <a:cs typeface="+mn-lt"/>
+              </a:rPr>
+              <a:t> </a:t>
+            </a:r>
+            <a:r>
+              <a:rPr lang="en-US" dirty="0" err="1">
+                <a:latin typeface="Consolas"/>
+                <a:ea typeface="+mn-lt"/>
+                <a:cs typeface="+mn-lt"/>
+              </a:rPr>
+              <a:t>oldukça</a:t>
+            </a:r>
+            <a:r>
+              <a:rPr lang="en-US" dirty="0">
+                <a:latin typeface="Consolas"/>
+                <a:ea typeface="+mn-lt"/>
+                <a:cs typeface="+mn-lt"/>
+              </a:rPr>
+              <a:t> </a:t>
+            </a:r>
+            <a:r>
+              <a:rPr lang="en-US" dirty="0" err="1">
+                <a:latin typeface="Consolas"/>
+                <a:ea typeface="+mn-lt"/>
+                <a:cs typeface="+mn-lt"/>
+              </a:rPr>
+              <a:t>yüksek</a:t>
+            </a:r>
+            <a:r>
+              <a:rPr lang="en-US" dirty="0">
+                <a:latin typeface="Consolas"/>
+                <a:ea typeface="+mn-lt"/>
+                <a:cs typeface="+mn-lt"/>
+              </a:rPr>
+              <a:t> </a:t>
+            </a:r>
+            <a:r>
+              <a:rPr lang="en-US" dirty="0" err="1">
+                <a:latin typeface="Consolas"/>
+                <a:ea typeface="+mn-lt"/>
+                <a:cs typeface="+mn-lt"/>
+              </a:rPr>
+              <a:t>sesle</a:t>
+            </a:r>
+            <a:r>
+              <a:rPr lang="en-US" dirty="0">
+                <a:latin typeface="Consolas"/>
+                <a:ea typeface="+mn-lt"/>
+                <a:cs typeface="+mn-lt"/>
+              </a:rPr>
+              <a:t>, </a:t>
+            </a:r>
+            <a:r>
+              <a:rPr lang="en-US" dirty="0" err="1">
+                <a:latin typeface="Consolas"/>
+                <a:ea typeface="+mn-lt"/>
+                <a:cs typeface="+mn-lt"/>
+              </a:rPr>
+              <a:t>heyecanla</a:t>
+            </a:r>
+            <a:r>
+              <a:rPr lang="en-US" dirty="0">
+                <a:latin typeface="Consolas"/>
+                <a:ea typeface="+mn-lt"/>
+                <a:cs typeface="+mn-lt"/>
+              </a:rPr>
+              <a:t> </a:t>
+            </a:r>
+            <a:r>
+              <a:rPr lang="en-US" dirty="0" err="1">
+                <a:latin typeface="Consolas"/>
+                <a:ea typeface="+mn-lt"/>
+                <a:cs typeface="+mn-lt"/>
+              </a:rPr>
+              <a:t>oynuyorlardı</a:t>
+            </a:r>
+            <a:r>
+              <a:rPr lang="en-US" dirty="0">
+                <a:latin typeface="Consolas"/>
+                <a:ea typeface="+mn-lt"/>
+                <a:cs typeface="+mn-lt"/>
+              </a:rPr>
+              <a:t> ama </a:t>
+            </a:r>
+            <a:r>
+              <a:rPr lang="en-US" dirty="0" err="1">
+                <a:latin typeface="Consolas"/>
+                <a:ea typeface="+mn-lt"/>
+                <a:cs typeface="+mn-lt"/>
+              </a:rPr>
+              <a:t>oyunda</a:t>
+            </a:r>
+            <a:r>
+              <a:rPr lang="en-US" dirty="0">
+                <a:latin typeface="Consolas"/>
                 <a:ea typeface="+mn-lt"/>
                 <a:cs typeface="+mn-lt"/>
               </a:rPr>
               <a:t> </a:t>
             </a:r>
             <a:r>
-              <a:rPr lang="en-US" sz="2200" dirty="0" err="1">
-                <a:ea typeface="+mn-lt"/>
-                <a:cs typeface="+mn-lt"/>
-              </a:rPr>
-              <a:t>koydum</a:t>
-            </a:r>
-            <a:r>
-              <a:rPr lang="en-US" sz="2200" dirty="0">
-                <a:ea typeface="+mn-lt"/>
-                <a:cs typeface="+mn-lt"/>
-              </a:rPr>
-              <a:t> ama, </a:t>
-            </a:r>
-            <a:r>
-              <a:rPr lang="en-US" sz="2200" dirty="0" err="1">
-                <a:ea typeface="+mn-lt"/>
-                <a:cs typeface="+mn-lt"/>
-              </a:rPr>
-              <a:t>gideceğim</a:t>
-            </a:r>
-            <a:r>
-              <a:rPr lang="en-US" sz="2200" dirty="0">
-                <a:ea typeface="+mn-lt"/>
-                <a:cs typeface="+mn-lt"/>
-              </a:rPr>
-              <a:t> o </a:t>
-            </a:r>
-            <a:r>
-              <a:rPr lang="en-US" sz="2200" dirty="0" err="1">
-                <a:ea typeface="+mn-lt"/>
-                <a:cs typeface="+mn-lt"/>
-              </a:rPr>
-              <a:t>oyuna</a:t>
-            </a:r>
-            <a:r>
-              <a:rPr lang="en-US" sz="2200" dirty="0">
+              <a:rPr lang="en-US" dirty="0" err="1">
+                <a:latin typeface="Consolas"/>
+                <a:ea typeface="+mn-lt"/>
+                <a:cs typeface="+mn-lt"/>
+              </a:rPr>
+              <a:t>sürekli</a:t>
+            </a:r>
+            <a:r>
+              <a:rPr lang="en-US" dirty="0">
+                <a:latin typeface="Consolas"/>
+                <a:ea typeface="+mn-lt"/>
+                <a:cs typeface="+mn-lt"/>
+              </a:rPr>
+              <a:t> </a:t>
+            </a:r>
+            <a:r>
+              <a:rPr lang="en-US" dirty="0" err="1">
+                <a:latin typeface="Consolas"/>
+                <a:ea typeface="+mn-lt"/>
+                <a:cs typeface="+mn-lt"/>
+              </a:rPr>
+              <a:t>aynı</a:t>
+            </a:r>
+            <a:r>
+              <a:rPr lang="en-US" dirty="0">
+                <a:latin typeface="Consolas"/>
+                <a:ea typeface="+mn-lt"/>
+                <a:cs typeface="+mn-lt"/>
+              </a:rPr>
+              <a:t> </a:t>
+            </a:r>
+            <a:r>
+              <a:rPr lang="en-US" dirty="0" err="1">
+                <a:latin typeface="Consolas"/>
+                <a:ea typeface="+mn-lt"/>
+                <a:cs typeface="+mn-lt"/>
+              </a:rPr>
+              <a:t>hava</a:t>
+            </a:r>
+            <a:r>
+              <a:rPr lang="en-US" dirty="0">
+                <a:latin typeface="Consolas"/>
+                <a:ea typeface="+mn-lt"/>
+                <a:cs typeface="+mn-lt"/>
+              </a:rPr>
+              <a:t> </a:t>
+            </a:r>
+            <a:r>
+              <a:rPr lang="en-US" dirty="0" err="1">
+                <a:latin typeface="Consolas"/>
+                <a:ea typeface="+mn-lt"/>
+                <a:cs typeface="+mn-lt"/>
+              </a:rPr>
+              <a:t>hakimdi</a:t>
+            </a:r>
+            <a:r>
+              <a:rPr lang="en-US" dirty="0">
+                <a:latin typeface="Consolas"/>
+                <a:ea typeface="+mn-lt"/>
+                <a:cs typeface="+mn-lt"/>
+              </a:rPr>
+              <a:t>. </a:t>
+            </a:r>
+            <a:r>
+              <a:rPr lang="en-US" dirty="0" err="1">
+                <a:latin typeface="Consolas"/>
+                <a:ea typeface="+mn-lt"/>
+                <a:cs typeface="+mn-lt"/>
+              </a:rPr>
+              <a:t>Sürekli</a:t>
+            </a:r>
+            <a:r>
+              <a:rPr lang="en-US" dirty="0">
+                <a:latin typeface="Consolas"/>
+                <a:ea typeface="+mn-lt"/>
+                <a:cs typeface="+mn-lt"/>
+              </a:rPr>
+              <a:t> </a:t>
+            </a:r>
+            <a:r>
+              <a:rPr lang="en-US" dirty="0" err="1">
+                <a:latin typeface="Consolas"/>
+                <a:ea typeface="+mn-lt"/>
+                <a:cs typeface="+mn-lt"/>
+              </a:rPr>
+              <a:t>bir</a:t>
+            </a:r>
+            <a:r>
+              <a:rPr lang="en-US" dirty="0">
+                <a:latin typeface="Consolas"/>
+                <a:ea typeface="+mn-lt"/>
+                <a:cs typeface="+mn-lt"/>
+              </a:rPr>
+              <a:t> </a:t>
+            </a:r>
+            <a:r>
+              <a:rPr lang="en-US" dirty="0" err="1">
+                <a:latin typeface="Consolas"/>
+                <a:ea typeface="+mn-lt"/>
+                <a:cs typeface="+mn-lt"/>
+              </a:rPr>
+              <a:t>telaş</a:t>
+            </a:r>
+            <a:r>
+              <a:rPr lang="en-US" dirty="0">
+                <a:latin typeface="Consolas"/>
+                <a:ea typeface="+mn-lt"/>
+                <a:cs typeface="+mn-lt"/>
+              </a:rPr>
+              <a:t>, </a:t>
+            </a:r>
+            <a:r>
+              <a:rPr lang="en-US" dirty="0" err="1">
+                <a:latin typeface="Consolas"/>
+                <a:ea typeface="+mn-lt"/>
+                <a:cs typeface="+mn-lt"/>
+              </a:rPr>
+              <a:t>koşuşturmaca</a:t>
+            </a:r>
+            <a:r>
+              <a:rPr lang="en-US" dirty="0">
+                <a:latin typeface="Consolas"/>
+                <a:ea typeface="+mn-lt"/>
+                <a:cs typeface="+mn-lt"/>
+              </a:rPr>
+              <a:t> </a:t>
+            </a:r>
+            <a:r>
+              <a:rPr lang="en-US" dirty="0" err="1">
+                <a:latin typeface="Consolas"/>
+                <a:ea typeface="+mn-lt"/>
+                <a:cs typeface="+mn-lt"/>
+              </a:rPr>
+              <a:t>hakimdi</a:t>
+            </a:r>
+            <a:r>
+              <a:rPr lang="en-US" dirty="0">
+                <a:latin typeface="Consolas"/>
+                <a:ea typeface="+mn-lt"/>
+                <a:cs typeface="+mn-lt"/>
+              </a:rPr>
+              <a:t>. Evet, durum </a:t>
+            </a:r>
+            <a:r>
+              <a:rPr lang="en-US" dirty="0" err="1">
+                <a:latin typeface="Consolas"/>
+                <a:ea typeface="+mn-lt"/>
+                <a:cs typeface="+mn-lt"/>
+              </a:rPr>
+              <a:t>böyle</a:t>
+            </a:r>
+            <a:r>
+              <a:rPr lang="en-US" dirty="0">
+                <a:latin typeface="Consolas"/>
+                <a:ea typeface="+mn-lt"/>
+                <a:cs typeface="+mn-lt"/>
+              </a:rPr>
+              <a:t> </a:t>
+            </a:r>
+            <a:r>
+              <a:rPr lang="en-US" dirty="0" err="1">
+                <a:latin typeface="Consolas"/>
+                <a:ea typeface="+mn-lt"/>
+                <a:cs typeface="+mn-lt"/>
+              </a:rPr>
+              <a:t>olunca</a:t>
+            </a:r>
+            <a:r>
+              <a:rPr lang="en-US" dirty="0">
+                <a:latin typeface="Consolas"/>
+                <a:ea typeface="+mn-lt"/>
+                <a:cs typeface="+mn-lt"/>
+              </a:rPr>
+              <a:t> </a:t>
+            </a:r>
+            <a:r>
+              <a:rPr lang="en-US" dirty="0" err="1">
+                <a:latin typeface="Consolas"/>
+                <a:ea typeface="+mn-lt"/>
+                <a:cs typeface="+mn-lt"/>
+              </a:rPr>
+              <a:t>biraz</a:t>
+            </a:r>
+            <a:r>
+              <a:rPr lang="en-US" dirty="0">
+                <a:latin typeface="Consolas"/>
+                <a:ea typeface="+mn-lt"/>
+                <a:cs typeface="+mn-lt"/>
+              </a:rPr>
+              <a:t> </a:t>
+            </a:r>
+            <a:r>
+              <a:rPr lang="en-US" dirty="0" err="1">
+                <a:latin typeface="Consolas"/>
+                <a:ea typeface="+mn-lt"/>
+                <a:cs typeface="+mn-lt"/>
+              </a:rPr>
+              <a:t>eğlenceli</a:t>
+            </a:r>
+            <a:r>
+              <a:rPr lang="en-US" dirty="0">
+                <a:latin typeface="Consolas"/>
+                <a:ea typeface="+mn-lt"/>
+                <a:cs typeface="+mn-lt"/>
+              </a:rPr>
+              <a:t> </a:t>
+            </a:r>
+            <a:r>
+              <a:rPr lang="en-US" dirty="0" err="1">
+                <a:latin typeface="Consolas"/>
+                <a:ea typeface="+mn-lt"/>
+                <a:cs typeface="+mn-lt"/>
+              </a:rPr>
+              <a:t>olabilir</a:t>
+            </a:r>
+            <a:r>
+              <a:rPr lang="en-US" dirty="0">
+                <a:latin typeface="Consolas"/>
+                <a:ea typeface="+mn-lt"/>
+                <a:cs typeface="+mn-lt"/>
+              </a:rPr>
+              <a:t> ama </a:t>
+            </a:r>
+            <a:r>
+              <a:rPr lang="en-US" dirty="0" err="1">
+                <a:latin typeface="Consolas"/>
+                <a:ea typeface="+mn-lt"/>
+                <a:cs typeface="+mn-lt"/>
+              </a:rPr>
+              <a:t>sürekli</a:t>
+            </a:r>
+            <a:r>
+              <a:rPr lang="en-US" dirty="0">
+                <a:latin typeface="Consolas"/>
+                <a:ea typeface="+mn-lt"/>
+                <a:cs typeface="+mn-lt"/>
+              </a:rPr>
+              <a:t> </a:t>
+            </a:r>
+            <a:r>
+              <a:rPr lang="en-US" dirty="0" err="1">
+                <a:latin typeface="Consolas"/>
+                <a:ea typeface="+mn-lt"/>
+                <a:cs typeface="+mn-lt"/>
+              </a:rPr>
+              <a:t>bir</a:t>
+            </a:r>
+            <a:r>
+              <a:rPr lang="en-US" dirty="0">
+                <a:latin typeface="Consolas"/>
+                <a:ea typeface="+mn-lt"/>
+                <a:cs typeface="+mn-lt"/>
+              </a:rPr>
+              <a:t> </a:t>
+            </a:r>
+            <a:r>
+              <a:rPr lang="en-US" dirty="0" err="1">
+                <a:latin typeface="Consolas"/>
+                <a:ea typeface="+mn-lt"/>
+                <a:cs typeface="+mn-lt"/>
+              </a:rPr>
+              <a:t>telaş</a:t>
+            </a:r>
+            <a:r>
+              <a:rPr lang="en-US" dirty="0">
+                <a:latin typeface="Consolas"/>
+                <a:ea typeface="+mn-lt"/>
+                <a:cs typeface="+mn-lt"/>
+              </a:rPr>
+              <a:t> </a:t>
+            </a:r>
+            <a:r>
+              <a:rPr lang="en-US" dirty="0" err="1">
+                <a:latin typeface="Consolas"/>
+                <a:ea typeface="+mn-lt"/>
+                <a:cs typeface="+mn-lt"/>
+              </a:rPr>
+              <a:t>halinin</a:t>
+            </a:r>
+            <a:r>
+              <a:rPr lang="en-US" dirty="0">
+                <a:latin typeface="Consolas"/>
+                <a:ea typeface="+mn-lt"/>
+                <a:cs typeface="+mn-lt"/>
+              </a:rPr>
+              <a:t> </a:t>
+            </a:r>
+            <a:r>
+              <a:rPr lang="en-US" dirty="0" err="1">
+                <a:latin typeface="Consolas"/>
+                <a:ea typeface="+mn-lt"/>
+                <a:cs typeface="+mn-lt"/>
+              </a:rPr>
+              <a:t>olması</a:t>
+            </a:r>
+            <a:r>
+              <a:rPr lang="en-US" dirty="0">
+                <a:latin typeface="Consolas"/>
+                <a:ea typeface="+mn-lt"/>
+                <a:cs typeface="+mn-lt"/>
+              </a:rPr>
+              <a:t> </a:t>
+            </a:r>
+            <a:r>
+              <a:rPr lang="en-US" dirty="0" err="1">
+                <a:latin typeface="Consolas"/>
+                <a:ea typeface="+mn-lt"/>
+                <a:cs typeface="+mn-lt"/>
+              </a:rPr>
+              <a:t>zamanla</a:t>
+            </a:r>
+            <a:r>
+              <a:rPr lang="en-US" dirty="0">
+                <a:latin typeface="Consolas"/>
+                <a:ea typeface="+mn-lt"/>
+                <a:cs typeface="+mn-lt"/>
+              </a:rPr>
+              <a:t> </a:t>
+            </a:r>
+            <a:r>
+              <a:rPr lang="en-US" dirty="0" err="1">
+                <a:latin typeface="Consolas"/>
+                <a:ea typeface="+mn-lt"/>
+                <a:cs typeface="+mn-lt"/>
+              </a:rPr>
+              <a:t>sıkıcılaşmaya</a:t>
+            </a:r>
+            <a:r>
+              <a:rPr lang="en-US" dirty="0">
+                <a:latin typeface="Consolas"/>
+                <a:ea typeface="+mn-lt"/>
+                <a:cs typeface="+mn-lt"/>
+              </a:rPr>
+              <a:t> </a:t>
+            </a:r>
+            <a:r>
+              <a:rPr lang="en-US" dirty="0" err="1">
+                <a:latin typeface="Consolas"/>
+                <a:ea typeface="+mn-lt"/>
+                <a:cs typeface="+mn-lt"/>
+              </a:rPr>
+              <a:t>başlamıştı</a:t>
+            </a:r>
+            <a:r>
+              <a:rPr lang="en-US" dirty="0">
+                <a:latin typeface="Consolas"/>
+                <a:ea typeface="+mn-lt"/>
+                <a:cs typeface="+mn-lt"/>
+              </a:rPr>
+              <a:t>. </a:t>
+            </a:r>
+            <a:r>
+              <a:rPr lang="en-US" dirty="0" err="1">
+                <a:latin typeface="Consolas"/>
+                <a:ea typeface="+mn-lt"/>
+                <a:cs typeface="+mn-lt"/>
+              </a:rPr>
+              <a:t>Karakterlerin</a:t>
+            </a:r>
+            <a:r>
+              <a:rPr lang="en-US" dirty="0">
+                <a:latin typeface="Consolas"/>
+                <a:ea typeface="+mn-lt"/>
+                <a:cs typeface="+mn-lt"/>
+              </a:rPr>
+              <a:t> </a:t>
+            </a:r>
+            <a:r>
+              <a:rPr lang="en-US" dirty="0" err="1">
+                <a:latin typeface="Consolas"/>
+                <a:ea typeface="+mn-lt"/>
+                <a:cs typeface="+mn-lt"/>
+              </a:rPr>
+              <a:t>birbirleriyle</a:t>
+            </a:r>
+            <a:r>
+              <a:rPr lang="en-US" dirty="0">
+                <a:latin typeface="Consolas"/>
+                <a:ea typeface="+mn-lt"/>
+                <a:cs typeface="+mn-lt"/>
+              </a:rPr>
+              <a:t> </a:t>
+            </a:r>
+            <a:r>
+              <a:rPr lang="en-US" dirty="0" err="1">
+                <a:latin typeface="Consolas"/>
+                <a:ea typeface="+mn-lt"/>
+                <a:cs typeface="+mn-lt"/>
+              </a:rPr>
+              <a:t>kavga</a:t>
+            </a:r>
+            <a:r>
+              <a:rPr lang="en-US" dirty="0">
+                <a:latin typeface="Consolas"/>
+                <a:ea typeface="+mn-lt"/>
+                <a:cs typeface="+mn-lt"/>
+              </a:rPr>
+              <a:t> </a:t>
+            </a:r>
+            <a:r>
+              <a:rPr lang="en-US" dirty="0" err="1">
+                <a:latin typeface="Consolas"/>
+                <a:ea typeface="+mn-lt"/>
+                <a:cs typeface="+mn-lt"/>
+              </a:rPr>
+              <a:t>ettiği</a:t>
+            </a:r>
+            <a:r>
+              <a:rPr lang="en-US" dirty="0">
+                <a:latin typeface="Consolas"/>
+                <a:ea typeface="+mn-lt"/>
+                <a:cs typeface="+mn-lt"/>
+              </a:rPr>
+              <a:t> </a:t>
+            </a:r>
+            <a:r>
+              <a:rPr lang="en-US" dirty="0" err="1">
+                <a:latin typeface="Consolas"/>
+                <a:ea typeface="+mn-lt"/>
+                <a:cs typeface="+mn-lt"/>
+              </a:rPr>
+              <a:t>ve</a:t>
+            </a:r>
+            <a:r>
+              <a:rPr lang="en-US" dirty="0">
+                <a:latin typeface="Consolas"/>
+                <a:ea typeface="+mn-lt"/>
+                <a:cs typeface="+mn-lt"/>
+              </a:rPr>
+              <a:t> </a:t>
+            </a:r>
+            <a:r>
+              <a:rPr lang="en-US" dirty="0" err="1">
+                <a:latin typeface="Consolas"/>
+                <a:ea typeface="+mn-lt"/>
+                <a:cs typeface="+mn-lt"/>
+              </a:rPr>
+              <a:t>kendileri</a:t>
+            </a:r>
+            <a:r>
+              <a:rPr lang="en-US" dirty="0">
+                <a:latin typeface="Consolas"/>
+                <a:ea typeface="+mn-lt"/>
+                <a:cs typeface="+mn-lt"/>
+              </a:rPr>
+              <a:t> </a:t>
+            </a:r>
+            <a:r>
+              <a:rPr lang="en-US" dirty="0" err="1">
+                <a:latin typeface="Consolas"/>
+                <a:ea typeface="+mn-lt"/>
+                <a:cs typeface="+mn-lt"/>
+              </a:rPr>
+              <a:t>hakkında</a:t>
+            </a:r>
+            <a:r>
+              <a:rPr lang="en-US" dirty="0">
+                <a:latin typeface="Consolas"/>
+                <a:ea typeface="+mn-lt"/>
+                <a:cs typeface="+mn-lt"/>
+              </a:rPr>
+              <a:t> </a:t>
+            </a:r>
+            <a:r>
+              <a:rPr lang="en-US" dirty="0" err="1">
+                <a:latin typeface="Consolas"/>
+                <a:ea typeface="+mn-lt"/>
+                <a:cs typeface="+mn-lt"/>
+              </a:rPr>
+              <a:t>dürüst</a:t>
+            </a:r>
+            <a:r>
+              <a:rPr lang="en-US" dirty="0">
+                <a:latin typeface="Consolas"/>
+                <a:ea typeface="+mn-lt"/>
+                <a:cs typeface="+mn-lt"/>
+              </a:rPr>
+              <a:t> </a:t>
+            </a:r>
+            <a:r>
+              <a:rPr lang="en-US" dirty="0" err="1">
+                <a:latin typeface="Consolas"/>
+                <a:ea typeface="+mn-lt"/>
+                <a:cs typeface="+mn-lt"/>
+              </a:rPr>
+              <a:t>olduğu</a:t>
+            </a:r>
+            <a:r>
+              <a:rPr lang="en-US" dirty="0">
+                <a:latin typeface="Consolas"/>
+                <a:ea typeface="+mn-lt"/>
+                <a:cs typeface="+mn-lt"/>
+              </a:rPr>
+              <a:t> son </a:t>
+            </a:r>
+            <a:r>
+              <a:rPr lang="en-US" dirty="0" err="1">
+                <a:latin typeface="Consolas"/>
+                <a:ea typeface="+mn-lt"/>
+                <a:cs typeface="+mn-lt"/>
+              </a:rPr>
+              <a:t>sahne</a:t>
+            </a:r>
+            <a:r>
+              <a:rPr lang="en-US" dirty="0">
+                <a:latin typeface="Consolas"/>
+                <a:ea typeface="+mn-lt"/>
+                <a:cs typeface="+mn-lt"/>
+              </a:rPr>
+              <a:t> </a:t>
+            </a:r>
+            <a:r>
+              <a:rPr lang="en-US" dirty="0" err="1">
+                <a:latin typeface="Consolas"/>
+                <a:ea typeface="+mn-lt"/>
+                <a:cs typeface="+mn-lt"/>
+              </a:rPr>
+              <a:t>ise</a:t>
+            </a:r>
+            <a:r>
+              <a:rPr lang="en-US" dirty="0">
+                <a:latin typeface="Consolas"/>
+                <a:ea typeface="+mn-lt"/>
+                <a:cs typeface="+mn-lt"/>
+              </a:rPr>
+              <a:t> </a:t>
+            </a:r>
+            <a:r>
+              <a:rPr lang="en-US" dirty="0" err="1">
+                <a:latin typeface="Consolas"/>
+                <a:ea typeface="+mn-lt"/>
+                <a:cs typeface="+mn-lt"/>
+              </a:rPr>
+              <a:t>en</a:t>
+            </a:r>
+            <a:r>
+              <a:rPr lang="en-US" dirty="0">
+                <a:latin typeface="Consolas"/>
+                <a:ea typeface="+mn-lt"/>
+                <a:cs typeface="+mn-lt"/>
+              </a:rPr>
+              <a:t> </a:t>
+            </a:r>
+            <a:r>
+              <a:rPr lang="en-US" dirty="0" err="1">
+                <a:latin typeface="Consolas"/>
+                <a:ea typeface="+mn-lt"/>
+                <a:cs typeface="+mn-lt"/>
+              </a:rPr>
+              <a:t>beğendiğim</a:t>
+            </a:r>
+            <a:r>
+              <a:rPr lang="en-US" dirty="0">
+                <a:latin typeface="Consolas"/>
+                <a:ea typeface="+mn-lt"/>
+                <a:cs typeface="+mn-lt"/>
+              </a:rPr>
+              <a:t> </a:t>
+            </a:r>
+            <a:r>
+              <a:rPr lang="en-US" dirty="0" err="1">
+                <a:latin typeface="Consolas"/>
+                <a:ea typeface="+mn-lt"/>
+                <a:cs typeface="+mn-lt"/>
+              </a:rPr>
+              <a:t>sahneydi</a:t>
+            </a:r>
+            <a:r>
+              <a:rPr lang="en-US" dirty="0">
+                <a:latin typeface="Consolas"/>
                 <a:ea typeface="+mn-lt"/>
                 <a:cs typeface="+mn-lt"/>
               </a:rPr>
               <a:t>.</a:t>
             </a:r>
-            <a:endParaRPr lang="en-US" dirty="0"/>
+            <a:endParaRPr lang="en-US">
+              <a:latin typeface="Consolas"/>
+            </a:endParaRPr>
           </a:p>
           <a:p>
             <a:pPr algn="ctr">
@@ -10296,7 +11669,9 @@
                 <a:spcPts val="1000"/>
               </a:spcBef>
             </a:pPr>
-            <a:endParaRPr lang="tr-TR" sz="2400" dirty="0"/>
+            <a:endParaRPr lang="tr-TR" dirty="0">
+              <a:latin typeface="Consolas"/>
+            </a:endParaRPr>
           </a:p>
         </p:txBody>
       </p:sp>
